--- a/ICC_koala_sdm_slides.pptx
+++ b/ICC_koala_sdm_slides.pptx
@@ -5,9 +5,20 @@
     <p:sldMasterId id="2147483648" r:id="rId1"/>
   </p:sldMasterIdLst>
   <p:sldIdLst>
-    <p:sldId id="256" r:id="rId2"/>
-    <p:sldId id="257" r:id="rId3"/>
-    <p:sldId id="258" r:id="rId4"/>
+    <p:sldId id="263" r:id="rId2"/>
+    <p:sldId id="256" r:id="rId3"/>
+    <p:sldId id="264" r:id="rId4"/>
+    <p:sldId id="265" r:id="rId5"/>
+    <p:sldId id="266" r:id="rId6"/>
+    <p:sldId id="260" r:id="rId7"/>
+    <p:sldId id="268" r:id="rId8"/>
+    <p:sldId id="259" r:id="rId9"/>
+    <p:sldId id="261" r:id="rId10"/>
+    <p:sldId id="262" r:id="rId11"/>
+    <p:sldId id="269" r:id="rId12"/>
+    <p:sldId id="267" r:id="rId13"/>
+    <p:sldId id="257" r:id="rId14"/>
+    <p:sldId id="258" r:id="rId15"/>
   </p:sldIdLst>
   <p:sldSz cx="12192000" cy="6858000"/>
   <p:notesSz cx="6858000" cy="9144000"/>
@@ -106,13 +117,18 @@
       </a:defRPr>
     </a:lvl9pPr>
   </p:defaultTextStyle>
+  <p:extLst>
+    <p:ext uri="{EFAFB233-063F-42B5-8137-9DF3F51BA10A}">
+      <p15:sldGuideLst xmlns:p15="http://schemas.microsoft.com/office/powerpoint/2012/main"/>
+    </p:ext>
+  </p:extLst>
 </p:presentation>
 </file>
 
 <file path=ppt/revisionInfo.xml><?xml version="1.0" encoding="utf-8"?>
 <p1510:revInfo xmlns:a="http://schemas.openxmlformats.org/drawingml/2006/main" xmlns:r="http://schemas.openxmlformats.org/officeDocument/2006/relationships" xmlns:p1510="http://schemas.microsoft.com/office/powerpoint/2015/10/main">
   <p1510:revLst>
-    <p1510:client id="{D31FD800-5519-4CBD-B48F-1780726ABED0}" v="2" dt="2025-04-03T01:05:32.429"/>
+    <p1510:client id="{D31FD800-5519-4CBD-B48F-1780726ABED0}" v="11" dt="2025-04-03T01:27:58.168"/>
   </p1510:revLst>
 </p1510:revInfo>
 </file>
@@ -121,13 +137,35 @@
 <pc:chgInfo xmlns:a="http://schemas.openxmlformats.org/drawingml/2006/main" xmlns:r="http://schemas.openxmlformats.org/officeDocument/2006/relationships" xmlns:ac="http://schemas.microsoft.com/office/drawing/2013/main/command" xmlns:pc="http://schemas.microsoft.com/office/powerpoint/2013/main/command">
   <pc:docChgLst>
     <pc:chgData name="Charlotte Ruby Patterson" userId="5e4f2a4d-4d7e-4526-8ff8-c9f44bf0b6b7" providerId="ADAL" clId="{D31FD800-5519-4CBD-B48F-1780726ABED0}"/>
-    <pc:docChg chg="custSel addSld modSld">
-      <pc:chgData name="Charlotte Ruby Patterson" userId="5e4f2a4d-4d7e-4526-8ff8-c9f44bf0b6b7" providerId="ADAL" clId="{D31FD800-5519-4CBD-B48F-1780726ABED0}" dt="2025-04-03T01:05:32.429" v="40"/>
+    <pc:docChg chg="undo custSel addSld delSld modSld sldOrd">
+      <pc:chgData name="Charlotte Ruby Patterson" userId="5e4f2a4d-4d7e-4526-8ff8-c9f44bf0b6b7" providerId="ADAL" clId="{D31FD800-5519-4CBD-B48F-1780726ABED0}" dt="2025-04-03T01:49:39.648" v="972" actId="20577"/>
       <pc:docMkLst>
         <pc:docMk/>
       </pc:docMkLst>
-      <pc:sldChg chg="addSp delSp modSp new mod">
-        <pc:chgData name="Charlotte Ruby Patterson" userId="5e4f2a4d-4d7e-4526-8ff8-c9f44bf0b6b7" providerId="ADAL" clId="{D31FD800-5519-4CBD-B48F-1780726ABED0}" dt="2025-04-03T00:58:53.230" v="38"/>
+      <pc:sldChg chg="modSp mod">
+        <pc:chgData name="Charlotte Ruby Patterson" userId="5e4f2a4d-4d7e-4526-8ff8-c9f44bf0b6b7" providerId="ADAL" clId="{D31FD800-5519-4CBD-B48F-1780726ABED0}" dt="2025-04-03T01:23:16.264" v="394" actId="20577"/>
+        <pc:sldMkLst>
+          <pc:docMk/>
+          <pc:sldMk cId="3612432494" sldId="256"/>
+        </pc:sldMkLst>
+        <pc:spChg chg="mod">
+          <ac:chgData name="Charlotte Ruby Patterson" userId="5e4f2a4d-4d7e-4526-8ff8-c9f44bf0b6b7" providerId="ADAL" clId="{D31FD800-5519-4CBD-B48F-1780726ABED0}" dt="2025-04-03T01:23:16.264" v="394" actId="20577"/>
+          <ac:spMkLst>
+            <pc:docMk/>
+            <pc:sldMk cId="3612432494" sldId="256"/>
+            <ac:spMk id="2" creationId="{D427427A-7DF1-2C46-CFA4-FF7F08F336AC}"/>
+          </ac:spMkLst>
+        </pc:spChg>
+      </pc:sldChg>
+      <pc:sldChg chg="add">
+        <pc:chgData name="Charlotte Ruby Patterson" userId="5e4f2a4d-4d7e-4526-8ff8-c9f44bf0b6b7" providerId="ADAL" clId="{D31FD800-5519-4CBD-B48F-1780726ABED0}" dt="2025-04-03T01:27:54.498" v="545"/>
+        <pc:sldMkLst>
+          <pc:docMk/>
+          <pc:sldMk cId="1117058006" sldId="257"/>
+        </pc:sldMkLst>
+      </pc:sldChg>
+      <pc:sldChg chg="addSp delSp modSp new del mod">
+        <pc:chgData name="Charlotte Ruby Patterson" userId="5e4f2a4d-4d7e-4526-8ff8-c9f44bf0b6b7" providerId="ADAL" clId="{D31FD800-5519-4CBD-B48F-1780726ABED0}" dt="2025-04-03T01:27:52.498" v="544" actId="2696"/>
         <pc:sldMkLst>
           <pc:docMk/>
           <pc:sldMk cId="2155328107" sldId="257"/>
@@ -157,8 +195,8 @@
           </ac:picMkLst>
         </pc:picChg>
       </pc:sldChg>
-      <pc:sldChg chg="addSp new">
-        <pc:chgData name="Charlotte Ruby Patterson" userId="5e4f2a4d-4d7e-4526-8ff8-c9f44bf0b6b7" providerId="ADAL" clId="{D31FD800-5519-4CBD-B48F-1780726ABED0}" dt="2025-04-03T01:05:32.429" v="40"/>
+      <pc:sldChg chg="addSp new del">
+        <pc:chgData name="Charlotte Ruby Patterson" userId="5e4f2a4d-4d7e-4526-8ff8-c9f44bf0b6b7" providerId="ADAL" clId="{D31FD800-5519-4CBD-B48F-1780726ABED0}" dt="2025-04-03T01:27:52.498" v="544" actId="2696"/>
         <pc:sldMkLst>
           <pc:docMk/>
           <pc:sldMk cId="437120976" sldId="258"/>
@@ -169,6 +207,314 @@
             <pc:docMk/>
             <pc:sldMk cId="437120976" sldId="258"/>
             <ac:picMk id="2" creationId="{F51CD7A1-E7AF-FDC0-0F31-BD42F255D28F}"/>
+          </ac:picMkLst>
+        </pc:picChg>
+      </pc:sldChg>
+      <pc:sldChg chg="add">
+        <pc:chgData name="Charlotte Ruby Patterson" userId="5e4f2a4d-4d7e-4526-8ff8-c9f44bf0b6b7" providerId="ADAL" clId="{D31FD800-5519-4CBD-B48F-1780726ABED0}" dt="2025-04-03T01:27:54.498" v="545"/>
+        <pc:sldMkLst>
+          <pc:docMk/>
+          <pc:sldMk cId="4007922882" sldId="258"/>
+        </pc:sldMkLst>
+      </pc:sldChg>
+      <pc:sldChg chg="addSp modSp new mod">
+        <pc:chgData name="Charlotte Ruby Patterson" userId="5e4f2a4d-4d7e-4526-8ff8-c9f44bf0b6b7" providerId="ADAL" clId="{D31FD800-5519-4CBD-B48F-1780726ABED0}" dt="2025-04-03T01:18:21.747" v="276" actId="1076"/>
+        <pc:sldMkLst>
+          <pc:docMk/>
+          <pc:sldMk cId="2889341016" sldId="259"/>
+        </pc:sldMkLst>
+        <pc:spChg chg="mod">
+          <ac:chgData name="Charlotte Ruby Patterson" userId="5e4f2a4d-4d7e-4526-8ff8-c9f44bf0b6b7" providerId="ADAL" clId="{D31FD800-5519-4CBD-B48F-1780726ABED0}" dt="2025-04-03T01:11:30.951" v="101" actId="20577"/>
+          <ac:spMkLst>
+            <pc:docMk/>
+            <pc:sldMk cId="2889341016" sldId="259"/>
+            <ac:spMk id="2" creationId="{8C8123CD-590E-A9B6-F111-12D43745F839}"/>
+          </ac:spMkLst>
+        </pc:spChg>
+        <pc:spChg chg="mod">
+          <ac:chgData name="Charlotte Ruby Patterson" userId="5e4f2a4d-4d7e-4526-8ff8-c9f44bf0b6b7" providerId="ADAL" clId="{D31FD800-5519-4CBD-B48F-1780726ABED0}" dt="2025-04-03T01:14:36.657" v="184" actId="20577"/>
+          <ac:spMkLst>
+            <pc:docMk/>
+            <pc:sldMk cId="2889341016" sldId="259"/>
+            <ac:spMk id="3" creationId="{AEDB92F1-A3C8-014A-964B-910F893AF533}"/>
+          </ac:spMkLst>
+        </pc:spChg>
+        <pc:spChg chg="add mod">
+          <ac:chgData name="Charlotte Ruby Patterson" userId="5e4f2a4d-4d7e-4526-8ff8-c9f44bf0b6b7" providerId="ADAL" clId="{D31FD800-5519-4CBD-B48F-1780726ABED0}" dt="2025-04-03T01:18:21.747" v="276" actId="1076"/>
+          <ac:spMkLst>
+            <pc:docMk/>
+            <pc:sldMk cId="2889341016" sldId="259"/>
+            <ac:spMk id="5" creationId="{2DBDB088-C20D-241C-8D39-41836032F51A}"/>
+          </ac:spMkLst>
+        </pc:spChg>
+      </pc:sldChg>
+      <pc:sldChg chg="modSp new mod ord">
+        <pc:chgData name="Charlotte Ruby Patterson" userId="5e4f2a4d-4d7e-4526-8ff8-c9f44bf0b6b7" providerId="ADAL" clId="{D31FD800-5519-4CBD-B48F-1780726ABED0}" dt="2025-04-03T01:19:58.333" v="308"/>
+        <pc:sldMkLst>
+          <pc:docMk/>
+          <pc:sldMk cId="2641799269" sldId="260"/>
+        </pc:sldMkLst>
+        <pc:spChg chg="mod">
+          <ac:chgData name="Charlotte Ruby Patterson" userId="5e4f2a4d-4d7e-4526-8ff8-c9f44bf0b6b7" providerId="ADAL" clId="{D31FD800-5519-4CBD-B48F-1780726ABED0}" dt="2025-04-03T01:14:43.825" v="200" actId="20577"/>
+          <ac:spMkLst>
+            <pc:docMk/>
+            <pc:sldMk cId="2641799269" sldId="260"/>
+            <ac:spMk id="2" creationId="{E416B7F0-CEB3-F66C-96ED-ABBD9330E3DC}"/>
+          </ac:spMkLst>
+        </pc:spChg>
+        <pc:spChg chg="mod">
+          <ac:chgData name="Charlotte Ruby Patterson" userId="5e4f2a4d-4d7e-4526-8ff8-c9f44bf0b6b7" providerId="ADAL" clId="{D31FD800-5519-4CBD-B48F-1780726ABED0}" dt="2025-04-03T01:18:06.249" v="274" actId="20577"/>
+          <ac:spMkLst>
+            <pc:docMk/>
+            <pc:sldMk cId="2641799269" sldId="260"/>
+            <ac:spMk id="3" creationId="{194045D3-386D-B57E-BFD8-FF722359D076}"/>
+          </ac:spMkLst>
+        </pc:spChg>
+      </pc:sldChg>
+      <pc:sldChg chg="addSp delSp modSp add mod">
+        <pc:chgData name="Charlotte Ruby Patterson" userId="5e4f2a4d-4d7e-4526-8ff8-c9f44bf0b6b7" providerId="ADAL" clId="{D31FD800-5519-4CBD-B48F-1780726ABED0}" dt="2025-04-03T01:19:52.848" v="306" actId="6549"/>
+        <pc:sldMkLst>
+          <pc:docMk/>
+          <pc:sldMk cId="3016005132" sldId="261"/>
+        </pc:sldMkLst>
+        <pc:spChg chg="mod">
+          <ac:chgData name="Charlotte Ruby Patterson" userId="5e4f2a4d-4d7e-4526-8ff8-c9f44bf0b6b7" providerId="ADAL" clId="{D31FD800-5519-4CBD-B48F-1780726ABED0}" dt="2025-04-03T01:19:52.848" v="306" actId="6549"/>
+          <ac:spMkLst>
+            <pc:docMk/>
+            <pc:sldMk cId="3016005132" sldId="261"/>
+            <ac:spMk id="3" creationId="{B1448936-6E1B-97B6-2F08-809F7343F01B}"/>
+          </ac:spMkLst>
+        </pc:spChg>
+        <pc:spChg chg="add mod">
+          <ac:chgData name="Charlotte Ruby Patterson" userId="5e4f2a4d-4d7e-4526-8ff8-c9f44bf0b6b7" providerId="ADAL" clId="{D31FD800-5519-4CBD-B48F-1780726ABED0}" dt="2025-04-03T01:19:07.364" v="289" actId="1038"/>
+          <ac:spMkLst>
+            <pc:docMk/>
+            <pc:sldMk cId="3016005132" sldId="261"/>
+            <ac:spMk id="4" creationId="{BB8FC761-D47F-DA9D-C5F3-CBA82A20643A}"/>
+          </ac:spMkLst>
+        </pc:spChg>
+        <pc:spChg chg="add del mod">
+          <ac:chgData name="Charlotte Ruby Patterson" userId="5e4f2a4d-4d7e-4526-8ff8-c9f44bf0b6b7" providerId="ADAL" clId="{D31FD800-5519-4CBD-B48F-1780726ABED0}" dt="2025-04-03T01:19:10.037" v="290" actId="478"/>
+          <ac:spMkLst>
+            <pc:docMk/>
+            <pc:sldMk cId="3016005132" sldId="261"/>
+            <ac:spMk id="6" creationId="{012DDB40-9E32-7097-B6B8-AEF02CAEB6BA}"/>
+          </ac:spMkLst>
+        </pc:spChg>
+      </pc:sldChg>
+      <pc:sldChg chg="addSp delSp modSp add mod">
+        <pc:chgData name="Charlotte Ruby Patterson" userId="5e4f2a4d-4d7e-4526-8ff8-c9f44bf0b6b7" providerId="ADAL" clId="{D31FD800-5519-4CBD-B48F-1780726ABED0}" dt="2025-04-03T01:21:03.530" v="389" actId="20577"/>
+        <pc:sldMkLst>
+          <pc:docMk/>
+          <pc:sldMk cId="1661170178" sldId="262"/>
+        </pc:sldMkLst>
+        <pc:spChg chg="mod">
+          <ac:chgData name="Charlotte Ruby Patterson" userId="5e4f2a4d-4d7e-4526-8ff8-c9f44bf0b6b7" providerId="ADAL" clId="{D31FD800-5519-4CBD-B48F-1780726ABED0}" dt="2025-04-03T01:21:03.530" v="389" actId="20577"/>
+          <ac:spMkLst>
+            <pc:docMk/>
+            <pc:sldMk cId="1661170178" sldId="262"/>
+            <ac:spMk id="3" creationId="{E210C31D-FC31-BC49-5593-1D141B6AF7BC}"/>
+          </ac:spMkLst>
+        </pc:spChg>
+        <pc:spChg chg="del">
+          <ac:chgData name="Charlotte Ruby Patterson" userId="5e4f2a4d-4d7e-4526-8ff8-c9f44bf0b6b7" providerId="ADAL" clId="{D31FD800-5519-4CBD-B48F-1780726ABED0}" dt="2025-04-03T01:20:10.697" v="313" actId="478"/>
+          <ac:spMkLst>
+            <pc:docMk/>
+            <pc:sldMk cId="1661170178" sldId="262"/>
+            <ac:spMk id="4" creationId="{454EBD76-703D-D6AD-AB7E-843D81C8FC93}"/>
+          </ac:spMkLst>
+        </pc:spChg>
+        <pc:spChg chg="del">
+          <ac:chgData name="Charlotte Ruby Patterson" userId="5e4f2a4d-4d7e-4526-8ff8-c9f44bf0b6b7" providerId="ADAL" clId="{D31FD800-5519-4CBD-B48F-1780726ABED0}" dt="2025-04-03T01:20:06.194" v="310" actId="478"/>
+          <ac:spMkLst>
+            <pc:docMk/>
+            <pc:sldMk cId="1661170178" sldId="262"/>
+            <ac:spMk id="5" creationId="{E051351C-C4F7-D8D5-70E9-1DF7C7DC537E}"/>
+          </ac:spMkLst>
+        </pc:spChg>
+        <pc:spChg chg="add mod">
+          <ac:chgData name="Charlotte Ruby Patterson" userId="5e4f2a4d-4d7e-4526-8ff8-c9f44bf0b6b7" providerId="ADAL" clId="{D31FD800-5519-4CBD-B48F-1780726ABED0}" dt="2025-04-03T01:20:42.423" v="362" actId="1076"/>
+          <ac:spMkLst>
+            <pc:docMk/>
+            <pc:sldMk cId="1661170178" sldId="262"/>
+            <ac:spMk id="7" creationId="{AAB8B9D7-CF34-50E6-0B79-B7589FD0B647}"/>
+          </ac:spMkLst>
+        </pc:spChg>
+      </pc:sldChg>
+      <pc:sldChg chg="addSp delSp modSp new mod ord">
+        <pc:chgData name="Charlotte Ruby Patterson" userId="5e4f2a4d-4d7e-4526-8ff8-c9f44bf0b6b7" providerId="ADAL" clId="{D31FD800-5519-4CBD-B48F-1780726ABED0}" dt="2025-04-03T01:49:39.648" v="972" actId="20577"/>
+        <pc:sldMkLst>
+          <pc:docMk/>
+          <pc:sldMk cId="1253255337" sldId="263"/>
+        </pc:sldMkLst>
+        <pc:spChg chg="mod">
+          <ac:chgData name="Charlotte Ruby Patterson" userId="5e4f2a4d-4d7e-4526-8ff8-c9f44bf0b6b7" providerId="ADAL" clId="{D31FD800-5519-4CBD-B48F-1780726ABED0}" dt="2025-04-03T01:23:54.584" v="477" actId="20577"/>
+          <ac:spMkLst>
+            <pc:docMk/>
+            <pc:sldMk cId="1253255337" sldId="263"/>
+            <ac:spMk id="2" creationId="{684B531E-98F9-B4C8-4B12-E95700CF2FB9}"/>
+          </ac:spMkLst>
+        </pc:spChg>
+        <pc:spChg chg="mod">
+          <ac:chgData name="Charlotte Ruby Patterson" userId="5e4f2a4d-4d7e-4526-8ff8-c9f44bf0b6b7" providerId="ADAL" clId="{D31FD800-5519-4CBD-B48F-1780726ABED0}" dt="2025-04-03T01:49:39.648" v="972" actId="20577"/>
+          <ac:spMkLst>
+            <pc:docMk/>
+            <pc:sldMk cId="1253255337" sldId="263"/>
+            <ac:spMk id="3" creationId="{86A9DB66-1517-2838-3B89-752392977F0D}"/>
+          </ac:spMkLst>
+        </pc:spChg>
+        <pc:picChg chg="add del">
+          <ac:chgData name="Charlotte Ruby Patterson" userId="5e4f2a4d-4d7e-4526-8ff8-c9f44bf0b6b7" providerId="ADAL" clId="{D31FD800-5519-4CBD-B48F-1780726ABED0}" dt="2025-04-03T01:37:48.783" v="962" actId="22"/>
+          <ac:picMkLst>
+            <pc:docMk/>
+            <pc:sldMk cId="1253255337" sldId="263"/>
+            <ac:picMk id="5" creationId="{F54DA643-3B10-FD8C-12EB-B002934E9AE4}"/>
+          </ac:picMkLst>
+        </pc:picChg>
+      </pc:sldChg>
+      <pc:sldChg chg="addSp delSp modSp new mod">
+        <pc:chgData name="Charlotte Ruby Patterson" userId="5e4f2a4d-4d7e-4526-8ff8-c9f44bf0b6b7" providerId="ADAL" clId="{D31FD800-5519-4CBD-B48F-1780726ABED0}" dt="2025-04-03T01:27:27.746" v="543" actId="1076"/>
+        <pc:sldMkLst>
+          <pc:docMk/>
+          <pc:sldMk cId="331342616" sldId="264"/>
+        </pc:sldMkLst>
+        <pc:spChg chg="mod">
+          <ac:chgData name="Charlotte Ruby Patterson" userId="5e4f2a4d-4d7e-4526-8ff8-c9f44bf0b6b7" providerId="ADAL" clId="{D31FD800-5519-4CBD-B48F-1780726ABED0}" dt="2025-04-03T01:24:01.248" v="490" actId="20577"/>
+          <ac:spMkLst>
+            <pc:docMk/>
+            <pc:sldMk cId="331342616" sldId="264"/>
+            <ac:spMk id="2" creationId="{AAC8C758-1F79-2CCB-72B2-FC746025B3B9}"/>
+          </ac:spMkLst>
+        </pc:spChg>
+        <pc:spChg chg="del">
+          <ac:chgData name="Charlotte Ruby Patterson" userId="5e4f2a4d-4d7e-4526-8ff8-c9f44bf0b6b7" providerId="ADAL" clId="{D31FD800-5519-4CBD-B48F-1780726ABED0}" dt="2025-04-03T01:25:05.214" v="523"/>
+          <ac:spMkLst>
+            <pc:docMk/>
+            <pc:sldMk cId="331342616" sldId="264"/>
+            <ac:spMk id="3" creationId="{71856E31-F5A7-4FCD-EB34-81F2EB374102}"/>
+          </ac:spMkLst>
+        </pc:spChg>
+        <pc:picChg chg="add mod modCrop">
+          <ac:chgData name="Charlotte Ruby Patterson" userId="5e4f2a4d-4d7e-4526-8ff8-c9f44bf0b6b7" providerId="ADAL" clId="{D31FD800-5519-4CBD-B48F-1780726ABED0}" dt="2025-04-03T01:27:27.046" v="542" actId="1076"/>
+          <ac:picMkLst>
+            <pc:docMk/>
+            <pc:sldMk cId="331342616" sldId="264"/>
+            <ac:picMk id="5" creationId="{66C23EC4-E8F3-96C9-586A-6DFA355DA1F8}"/>
+          </ac:picMkLst>
+        </pc:picChg>
+        <pc:picChg chg="add mod">
+          <ac:chgData name="Charlotte Ruby Patterson" userId="5e4f2a4d-4d7e-4526-8ff8-c9f44bf0b6b7" providerId="ADAL" clId="{D31FD800-5519-4CBD-B48F-1780726ABED0}" dt="2025-04-03T01:27:27.746" v="543" actId="1076"/>
+          <ac:picMkLst>
+            <pc:docMk/>
+            <pc:sldMk cId="331342616" sldId="264"/>
+            <ac:picMk id="6" creationId="{064DCADF-2770-9359-A949-C05A10927C55}"/>
+          </ac:picMkLst>
+        </pc:picChg>
+      </pc:sldChg>
+      <pc:sldChg chg="modSp add mod">
+        <pc:chgData name="Charlotte Ruby Patterson" userId="5e4f2a4d-4d7e-4526-8ff8-c9f44bf0b6b7" providerId="ADAL" clId="{D31FD800-5519-4CBD-B48F-1780726ABED0}" dt="2025-04-03T01:24:37.647" v="522" actId="20577"/>
+        <pc:sldMkLst>
+          <pc:docMk/>
+          <pc:sldMk cId="1371601781" sldId="265"/>
+        </pc:sldMkLst>
+        <pc:spChg chg="mod">
+          <ac:chgData name="Charlotte Ruby Patterson" userId="5e4f2a4d-4d7e-4526-8ff8-c9f44bf0b6b7" providerId="ADAL" clId="{D31FD800-5519-4CBD-B48F-1780726ABED0}" dt="2025-04-03T01:24:37.647" v="522" actId="20577"/>
+          <ac:spMkLst>
+            <pc:docMk/>
+            <pc:sldMk cId="1371601781" sldId="265"/>
+            <ac:spMk id="2" creationId="{D808B9B5-8D56-7E22-DC7D-3588E8A95DAD}"/>
+          </ac:spMkLst>
+        </pc:spChg>
+      </pc:sldChg>
+      <pc:sldChg chg="modSp add mod">
+        <pc:chgData name="Charlotte Ruby Patterson" userId="5e4f2a4d-4d7e-4526-8ff8-c9f44bf0b6b7" providerId="ADAL" clId="{D31FD800-5519-4CBD-B48F-1780726ABED0}" dt="2025-04-03T01:28:13.380" v="600" actId="20577"/>
+        <pc:sldMkLst>
+          <pc:docMk/>
+          <pc:sldMk cId="65016677" sldId="266"/>
+        </pc:sldMkLst>
+        <pc:spChg chg="mod">
+          <ac:chgData name="Charlotte Ruby Patterson" userId="5e4f2a4d-4d7e-4526-8ff8-c9f44bf0b6b7" providerId="ADAL" clId="{D31FD800-5519-4CBD-B48F-1780726ABED0}" dt="2025-04-03T01:28:13.380" v="600" actId="20577"/>
+          <ac:spMkLst>
+            <pc:docMk/>
+            <pc:sldMk cId="65016677" sldId="266"/>
+            <ac:spMk id="2" creationId="{1B790A4D-50FF-1253-1551-5BCB378406D2}"/>
+          </ac:spMkLst>
+        </pc:spChg>
+      </pc:sldChg>
+      <pc:sldChg chg="addSp delSp modSp new mod">
+        <pc:chgData name="Charlotte Ruby Patterson" userId="5e4f2a4d-4d7e-4526-8ff8-c9f44bf0b6b7" providerId="ADAL" clId="{D31FD800-5519-4CBD-B48F-1780726ABED0}" dt="2025-04-03T01:33:08.608" v="647" actId="5793"/>
+        <pc:sldMkLst>
+          <pc:docMk/>
+          <pc:sldMk cId="1153821141" sldId="267"/>
+        </pc:sldMkLst>
+        <pc:spChg chg="mod">
+          <ac:chgData name="Charlotte Ruby Patterson" userId="5e4f2a4d-4d7e-4526-8ff8-c9f44bf0b6b7" providerId="ADAL" clId="{D31FD800-5519-4CBD-B48F-1780726ABED0}" dt="2025-04-03T01:33:08.608" v="647" actId="5793"/>
+          <ac:spMkLst>
+            <pc:docMk/>
+            <pc:sldMk cId="1153821141" sldId="267"/>
+            <ac:spMk id="2" creationId="{E2BD4AA1-B2AE-398B-9DD9-3F923093C2B9}"/>
+          </ac:spMkLst>
+        </pc:spChg>
+        <pc:spChg chg="del mod">
+          <ac:chgData name="Charlotte Ruby Patterson" userId="5e4f2a4d-4d7e-4526-8ff8-c9f44bf0b6b7" providerId="ADAL" clId="{D31FD800-5519-4CBD-B48F-1780726ABED0}" dt="2025-04-03T01:30:01.930" v="642" actId="22"/>
+          <ac:spMkLst>
+            <pc:docMk/>
+            <pc:sldMk cId="1153821141" sldId="267"/>
+            <ac:spMk id="3" creationId="{EFCD3ACA-617B-A4F0-5304-1A7759FF13EF}"/>
+          </ac:spMkLst>
+        </pc:spChg>
+        <pc:picChg chg="add mod ord">
+          <ac:chgData name="Charlotte Ruby Patterson" userId="5e4f2a4d-4d7e-4526-8ff8-c9f44bf0b6b7" providerId="ADAL" clId="{D31FD800-5519-4CBD-B48F-1780726ABED0}" dt="2025-04-03T01:30:03.968" v="643" actId="1076"/>
+          <ac:picMkLst>
+            <pc:docMk/>
+            <pc:sldMk cId="1153821141" sldId="267"/>
+            <ac:picMk id="5" creationId="{6884A66F-C1B4-153E-C7CE-54E77D42C261}"/>
+          </ac:picMkLst>
+        </pc:picChg>
+      </pc:sldChg>
+      <pc:sldChg chg="modSp new mod">
+        <pc:chgData name="Charlotte Ruby Patterson" userId="5e4f2a4d-4d7e-4526-8ff8-c9f44bf0b6b7" providerId="ADAL" clId="{D31FD800-5519-4CBD-B48F-1780726ABED0}" dt="2025-04-03T01:35:25.834" v="919" actId="5793"/>
+        <pc:sldMkLst>
+          <pc:docMk/>
+          <pc:sldMk cId="1197906918" sldId="268"/>
+        </pc:sldMkLst>
+        <pc:spChg chg="mod">
+          <ac:chgData name="Charlotte Ruby Patterson" userId="5e4f2a4d-4d7e-4526-8ff8-c9f44bf0b6b7" providerId="ADAL" clId="{D31FD800-5519-4CBD-B48F-1780726ABED0}" dt="2025-04-03T01:34:29.387" v="660" actId="20577"/>
+          <ac:spMkLst>
+            <pc:docMk/>
+            <pc:sldMk cId="1197906918" sldId="268"/>
+            <ac:spMk id="2" creationId="{8FA8327A-C216-F68F-055E-2696CEEFA144}"/>
+          </ac:spMkLst>
+        </pc:spChg>
+        <pc:spChg chg="mod">
+          <ac:chgData name="Charlotte Ruby Patterson" userId="5e4f2a4d-4d7e-4526-8ff8-c9f44bf0b6b7" providerId="ADAL" clId="{D31FD800-5519-4CBD-B48F-1780726ABED0}" dt="2025-04-03T01:35:25.834" v="919" actId="5793"/>
+          <ac:spMkLst>
+            <pc:docMk/>
+            <pc:sldMk cId="1197906918" sldId="268"/>
+            <ac:spMk id="3" creationId="{EFB0CA68-2DD8-3082-79DF-DA6016D1CBDE}"/>
+          </ac:spMkLst>
+        </pc:spChg>
+      </pc:sldChg>
+      <pc:sldChg chg="addSp delSp modSp new mod">
+        <pc:chgData name="Charlotte Ruby Patterson" userId="5e4f2a4d-4d7e-4526-8ff8-c9f44bf0b6b7" providerId="ADAL" clId="{D31FD800-5519-4CBD-B48F-1780726ABED0}" dt="2025-04-03T01:37:40.345" v="960" actId="22"/>
+        <pc:sldMkLst>
+          <pc:docMk/>
+          <pc:sldMk cId="1685990104" sldId="269"/>
+        </pc:sldMkLst>
+        <pc:spChg chg="mod">
+          <ac:chgData name="Charlotte Ruby Patterson" userId="5e4f2a4d-4d7e-4526-8ff8-c9f44bf0b6b7" providerId="ADAL" clId="{D31FD800-5519-4CBD-B48F-1780726ABED0}" dt="2025-04-03T01:36:08.084" v="958" actId="20577"/>
+          <ac:spMkLst>
+            <pc:docMk/>
+            <pc:sldMk cId="1685990104" sldId="269"/>
+            <ac:spMk id="2" creationId="{EB5099EA-A475-7A15-3934-30D0B59D40F7}"/>
+          </ac:spMkLst>
+        </pc:spChg>
+        <pc:picChg chg="add del">
+          <ac:chgData name="Charlotte Ruby Patterson" userId="5e4f2a4d-4d7e-4526-8ff8-c9f44bf0b6b7" providerId="ADAL" clId="{D31FD800-5519-4CBD-B48F-1780726ABED0}" dt="2025-04-03T01:37:40.345" v="960" actId="22"/>
+          <ac:picMkLst>
+            <pc:docMk/>
+            <pc:sldMk cId="1685990104" sldId="269"/>
+            <ac:picMk id="5" creationId="{A60CED5F-BBD8-7683-6697-5E8139D691A4}"/>
           </ac:picMkLst>
         </pc:picChg>
       </pc:sldChg>
@@ -3417,55 +3763,561 @@
           <p:cNvPr id="2" name="Title 1">
             <a:extLst>
               <a:ext uri="{FF2B5EF4-FFF2-40B4-BE49-F238E27FC236}">
-                <a16:creationId xmlns:a16="http://schemas.microsoft.com/office/drawing/2014/main" id="{D427427A-7DF1-2C46-CFA4-FF7F08F336AC}"/>
-              </a:ext>
-            </a:extLst>
-          </p:cNvPr>
-          <p:cNvSpPr>
-            <a:spLocks noGrp="1"/>
-          </p:cNvSpPr>
-          <p:nvPr>
-            <p:ph type="ctrTitle"/>
-          </p:nvPr>
-        </p:nvSpPr>
-        <p:spPr/>
-        <p:txBody>
-          <a:bodyPr/>
-          <a:lstStyle/>
-          <a:p>
-            <a:endParaRPr lang="en-AU" dirty="0"/>
-          </a:p>
-        </p:txBody>
-      </p:sp>
-      <p:sp>
-        <p:nvSpPr>
-          <p:cNvPr id="3" name="Subtitle 2">
-            <a:extLst>
-              <a:ext uri="{FF2B5EF4-FFF2-40B4-BE49-F238E27FC236}">
-                <a16:creationId xmlns:a16="http://schemas.microsoft.com/office/drawing/2014/main" id="{CB7BBB74-7974-D561-BA2C-FC12169D1672}"/>
-              </a:ext>
-            </a:extLst>
-          </p:cNvPr>
-          <p:cNvSpPr>
-            <a:spLocks noGrp="1"/>
-          </p:cNvSpPr>
-          <p:nvPr>
-            <p:ph type="subTitle" idx="1"/>
-          </p:nvPr>
-        </p:nvSpPr>
-        <p:spPr/>
-        <p:txBody>
-          <a:bodyPr/>
-          <a:lstStyle/>
-          <a:p>
-            <a:endParaRPr lang="en-AU"/>
+                <a16:creationId xmlns:a16="http://schemas.microsoft.com/office/drawing/2014/main" id="{684B531E-98F9-B4C8-4B12-E95700CF2FB9}"/>
+              </a:ext>
+            </a:extLst>
+          </p:cNvPr>
+          <p:cNvSpPr>
+            <a:spLocks noGrp="1"/>
+          </p:cNvSpPr>
+          <p:nvPr>
+            <p:ph type="title"/>
+          </p:nvPr>
+        </p:nvSpPr>
+        <p:spPr/>
+        <p:txBody>
+          <a:bodyPr/>
+          <a:lstStyle/>
+          <a:p>
+            <a:r>
+              <a:rPr lang="en-AU" dirty="0"/>
+              <a:t>Hello! Tell us a bit about yourselves</a:t>
+            </a:r>
+          </a:p>
+        </p:txBody>
+      </p:sp>
+      <p:sp>
+        <p:nvSpPr>
+          <p:cNvPr id="3" name="Content Placeholder 2">
+            <a:extLst>
+              <a:ext uri="{FF2B5EF4-FFF2-40B4-BE49-F238E27FC236}">
+                <a16:creationId xmlns:a16="http://schemas.microsoft.com/office/drawing/2014/main" id="{86A9DB66-1517-2838-3B89-752392977F0D}"/>
+              </a:ext>
+            </a:extLst>
+          </p:cNvPr>
+          <p:cNvSpPr>
+            <a:spLocks noGrp="1"/>
+          </p:cNvSpPr>
+          <p:nvPr>
+            <p:ph idx="1"/>
+          </p:nvPr>
+        </p:nvSpPr>
+        <p:spPr/>
+        <p:txBody>
+          <a:bodyPr/>
+          <a:lstStyle/>
+          <a:p>
+            <a:r>
+              <a:rPr lang="en-AU"/>
+              <a:t>Mentimeter</a:t>
+            </a:r>
           </a:p>
         </p:txBody>
       </p:sp>
     </p:spTree>
     <p:extLst>
       <p:ext uri="{BB962C8B-B14F-4D97-AF65-F5344CB8AC3E}">
-        <p14:creationId xmlns:p14="http://schemas.microsoft.com/office/powerpoint/2010/main" val="3612432494"/>
+        <p14:creationId xmlns:p14="http://schemas.microsoft.com/office/powerpoint/2010/main" val="1253255337"/>
+      </p:ext>
+    </p:extLst>
+  </p:cSld>
+  <p:clrMapOvr>
+    <a:masterClrMapping/>
+  </p:clrMapOvr>
+</p:sld>
+</file>
+
+<file path=ppt/slides/slide10.xml><?xml version="1.0" encoding="utf-8"?>
+<p:sld xmlns:a="http://schemas.openxmlformats.org/drawingml/2006/main" xmlns:r="http://schemas.openxmlformats.org/officeDocument/2006/relationships" xmlns:p="http://schemas.openxmlformats.org/presentationml/2006/main">
+  <p:cSld>
+    <p:spTree>
+      <p:nvGrpSpPr>
+        <p:cNvPr id="1" name="">
+          <a:extLst>
+            <a:ext uri="{FF2B5EF4-FFF2-40B4-BE49-F238E27FC236}">
+              <a16:creationId xmlns:a16="http://schemas.microsoft.com/office/drawing/2014/main" id="{02E6CF7B-CB0A-2691-D44E-138E90AE26E4}"/>
+            </a:ext>
+          </a:extLst>
+        </p:cNvPr>
+        <p:cNvGrpSpPr/>
+        <p:nvPr/>
+      </p:nvGrpSpPr>
+      <p:grpSpPr>
+        <a:xfrm>
+          <a:off x="0" y="0"/>
+          <a:ext cx="0" cy="0"/>
+          <a:chOff x="0" y="0"/>
+          <a:chExt cx="0" cy="0"/>
+        </a:xfrm>
+      </p:grpSpPr>
+      <p:sp>
+        <p:nvSpPr>
+          <p:cNvPr id="2" name="Title 1">
+            <a:extLst>
+              <a:ext uri="{FF2B5EF4-FFF2-40B4-BE49-F238E27FC236}">
+                <a16:creationId xmlns:a16="http://schemas.microsoft.com/office/drawing/2014/main" id="{282DB940-2DCE-E4A5-F5AD-6329652510F7}"/>
+              </a:ext>
+            </a:extLst>
+          </p:cNvPr>
+          <p:cNvSpPr>
+            <a:spLocks noGrp="1"/>
+          </p:cNvSpPr>
+          <p:nvPr>
+            <p:ph type="title"/>
+          </p:nvPr>
+        </p:nvSpPr>
+        <p:spPr/>
+        <p:txBody>
+          <a:bodyPr/>
+          <a:lstStyle/>
+          <a:p>
+            <a:r>
+              <a:rPr lang="en-AU" dirty="0"/>
+              <a:t>Getting started – some questions to ask yourself </a:t>
+            </a:r>
+          </a:p>
+        </p:txBody>
+      </p:sp>
+      <p:sp>
+        <p:nvSpPr>
+          <p:cNvPr id="3" name="Content Placeholder 2">
+            <a:extLst>
+              <a:ext uri="{FF2B5EF4-FFF2-40B4-BE49-F238E27FC236}">
+                <a16:creationId xmlns:a16="http://schemas.microsoft.com/office/drawing/2014/main" id="{E210C31D-FC31-BC49-5593-1D141B6AF7BC}"/>
+              </a:ext>
+            </a:extLst>
+          </p:cNvPr>
+          <p:cNvSpPr>
+            <a:spLocks noGrp="1"/>
+          </p:cNvSpPr>
+          <p:nvPr>
+            <p:ph idx="1"/>
+          </p:nvPr>
+        </p:nvSpPr>
+        <p:spPr/>
+        <p:txBody>
+          <a:bodyPr/>
+          <a:lstStyle/>
+          <a:p>
+            <a:pPr marL="514350" indent="-514350">
+              <a:buAutoNum type="arabicPeriod"/>
+            </a:pPr>
+            <a:r>
+              <a:rPr lang="en-AU" dirty="0"/>
+              <a:t>What are my model outputs going to be used for?</a:t>
+            </a:r>
+          </a:p>
+          <a:p>
+            <a:r>
+              <a:rPr lang="en-AU" dirty="0"/>
+              <a:t>Spatial prioritisation</a:t>
+            </a:r>
+          </a:p>
+          <a:p>
+            <a:endParaRPr lang="en-AU" dirty="0"/>
+          </a:p>
+          <a:p>
+            <a:pPr marL="0" indent="0">
+              <a:buNone/>
+            </a:pPr>
+            <a:endParaRPr lang="en-AU" dirty="0"/>
+          </a:p>
+        </p:txBody>
+      </p:sp>
+      <p:sp>
+        <p:nvSpPr>
+          <p:cNvPr id="7" name="TextBox 6">
+            <a:extLst>
+              <a:ext uri="{FF2B5EF4-FFF2-40B4-BE49-F238E27FC236}">
+                <a16:creationId xmlns:a16="http://schemas.microsoft.com/office/drawing/2014/main" id="{AAB8B9D7-CF34-50E6-0B79-B7589FD0B647}"/>
+              </a:ext>
+            </a:extLst>
+          </p:cNvPr>
+          <p:cNvSpPr txBox="1"/>
+          <p:nvPr/>
+        </p:nvSpPr>
+        <p:spPr>
+          <a:xfrm>
+            <a:off x="6470965" y="5850235"/>
+            <a:ext cx="6097508" cy="923330"/>
+          </a:xfrm>
+          <a:prstGeom prst="rect">
+            <a:avLst/>
+          </a:prstGeom>
+          <a:noFill/>
+        </p:spPr>
+        <p:txBody>
+          <a:bodyPr wrap="square">
+            <a:spAutoFit/>
+          </a:bodyPr>
+          <a:lstStyle/>
+          <a:p>
+            <a:r>
+              <a:rPr lang="en-AU" b="0" i="0" dirty="0" err="1">
+                <a:solidFill>
+                  <a:srgbClr val="222222"/>
+                </a:solidFill>
+                <a:effectLst/>
+                <a:latin typeface="Arial" panose="020B0604020202020204" pitchFamily="34" charset="0"/>
+              </a:rPr>
+              <a:t>Guillera‐Arroita</a:t>
+            </a:r>
+            <a:r>
+              <a:rPr lang="en-AU" b="0" i="0" dirty="0">
+                <a:solidFill>
+                  <a:srgbClr val="222222"/>
+                </a:solidFill>
+                <a:effectLst/>
+                <a:latin typeface="Arial" panose="020B0604020202020204" pitchFamily="34" charset="0"/>
+              </a:rPr>
+              <a:t> et al. (2015). Is my species distribution model fit for purpose? Matching data and models to applications. </a:t>
+            </a:r>
+            <a:r>
+              <a:rPr lang="en-AU" b="0" i="1" dirty="0">
+                <a:solidFill>
+                  <a:srgbClr val="222222"/>
+                </a:solidFill>
+                <a:effectLst/>
+                <a:latin typeface="Arial" panose="020B0604020202020204" pitchFamily="34" charset="0"/>
+              </a:rPr>
+              <a:t>Global ecology and biogeography</a:t>
+            </a:r>
+            <a:r>
+              <a:rPr lang="en-AU" dirty="0">
+                <a:solidFill>
+                  <a:srgbClr val="222222"/>
+                </a:solidFill>
+                <a:latin typeface="Arial" panose="020B0604020202020204" pitchFamily="34" charset="0"/>
+              </a:rPr>
+              <a:t>.</a:t>
+            </a:r>
+          </a:p>
+        </p:txBody>
+      </p:sp>
+    </p:spTree>
+    <p:extLst>
+      <p:ext uri="{BB962C8B-B14F-4D97-AF65-F5344CB8AC3E}">
+        <p14:creationId xmlns:p14="http://schemas.microsoft.com/office/powerpoint/2010/main" val="1661170178"/>
+      </p:ext>
+    </p:extLst>
+  </p:cSld>
+  <p:clrMapOvr>
+    <a:masterClrMapping/>
+  </p:clrMapOvr>
+</p:sld>
+</file>
+
+<file path=ppt/slides/slide11.xml><?xml version="1.0" encoding="utf-8"?>
+<p:sld xmlns:a="http://schemas.openxmlformats.org/drawingml/2006/main" xmlns:r="http://schemas.openxmlformats.org/officeDocument/2006/relationships" xmlns:p="http://schemas.openxmlformats.org/presentationml/2006/main">
+  <p:cSld>
+    <p:spTree>
+      <p:nvGrpSpPr>
+        <p:cNvPr id="1" name=""/>
+        <p:cNvGrpSpPr/>
+        <p:nvPr/>
+      </p:nvGrpSpPr>
+      <p:grpSpPr>
+        <a:xfrm>
+          <a:off x="0" y="0"/>
+          <a:ext cx="0" cy="0"/>
+          <a:chOff x="0" y="0"/>
+          <a:chExt cx="0" cy="0"/>
+        </a:xfrm>
+      </p:grpSpPr>
+      <p:sp>
+        <p:nvSpPr>
+          <p:cNvPr id="2" name="Title 1">
+            <a:extLst>
+              <a:ext uri="{FF2B5EF4-FFF2-40B4-BE49-F238E27FC236}">
+                <a16:creationId xmlns:a16="http://schemas.microsoft.com/office/drawing/2014/main" id="{EB5099EA-A475-7A15-3934-30D0B59D40F7}"/>
+              </a:ext>
+            </a:extLst>
+          </p:cNvPr>
+          <p:cNvSpPr>
+            <a:spLocks noGrp="1"/>
+          </p:cNvSpPr>
+          <p:nvPr>
+            <p:ph type="title"/>
+          </p:nvPr>
+        </p:nvSpPr>
+        <p:spPr/>
+        <p:txBody>
+          <a:bodyPr/>
+          <a:lstStyle/>
+          <a:p>
+            <a:r>
+              <a:rPr lang="en-AU" dirty="0"/>
+              <a:t>Koala ecology (relevant for SDM)</a:t>
+            </a:r>
+          </a:p>
+        </p:txBody>
+      </p:sp>
+      <p:sp>
+        <p:nvSpPr>
+          <p:cNvPr id="3" name="Content Placeholder 2">
+            <a:extLst>
+              <a:ext uri="{FF2B5EF4-FFF2-40B4-BE49-F238E27FC236}">
+                <a16:creationId xmlns:a16="http://schemas.microsoft.com/office/drawing/2014/main" id="{4E532C00-C1ED-5786-8984-240EDACC7423}"/>
+              </a:ext>
+            </a:extLst>
+          </p:cNvPr>
+          <p:cNvSpPr>
+            <a:spLocks noGrp="1"/>
+          </p:cNvSpPr>
+          <p:nvPr>
+            <p:ph idx="1"/>
+          </p:nvPr>
+        </p:nvSpPr>
+        <p:spPr/>
+        <p:txBody>
+          <a:bodyPr/>
+          <a:lstStyle/>
+          <a:p>
+            <a:endParaRPr lang="en-AU"/>
+          </a:p>
+        </p:txBody>
+      </p:sp>
+    </p:spTree>
+    <p:extLst>
+      <p:ext uri="{BB962C8B-B14F-4D97-AF65-F5344CB8AC3E}">
+        <p14:creationId xmlns:p14="http://schemas.microsoft.com/office/powerpoint/2010/main" val="1685990104"/>
+      </p:ext>
+    </p:extLst>
+  </p:cSld>
+  <p:clrMapOvr>
+    <a:masterClrMapping/>
+  </p:clrMapOvr>
+</p:sld>
+</file>
+
+<file path=ppt/slides/slide12.xml><?xml version="1.0" encoding="utf-8"?>
+<p:sld xmlns:a="http://schemas.openxmlformats.org/drawingml/2006/main" xmlns:r="http://schemas.openxmlformats.org/officeDocument/2006/relationships" xmlns:p="http://schemas.openxmlformats.org/presentationml/2006/main">
+  <p:cSld>
+    <p:spTree>
+      <p:nvGrpSpPr>
+        <p:cNvPr id="1" name=""/>
+        <p:cNvGrpSpPr/>
+        <p:nvPr/>
+      </p:nvGrpSpPr>
+      <p:grpSpPr>
+        <a:xfrm>
+          <a:off x="0" y="0"/>
+          <a:ext cx="0" cy="0"/>
+          <a:chOff x="0" y="0"/>
+          <a:chExt cx="0" cy="0"/>
+        </a:xfrm>
+      </p:grpSpPr>
+      <p:sp>
+        <p:nvSpPr>
+          <p:cNvPr id="2" name="Title 1">
+            <a:extLst>
+              <a:ext uri="{FF2B5EF4-FFF2-40B4-BE49-F238E27FC236}">
+                <a16:creationId xmlns:a16="http://schemas.microsoft.com/office/drawing/2014/main" id="{E2BD4AA1-B2AE-398B-9DD9-3F923093C2B9}"/>
+              </a:ext>
+            </a:extLst>
+          </p:cNvPr>
+          <p:cNvSpPr>
+            <a:spLocks noGrp="1"/>
+          </p:cNvSpPr>
+          <p:nvPr>
+            <p:ph type="title"/>
+          </p:nvPr>
+        </p:nvSpPr>
+        <p:spPr/>
+        <p:txBody>
+          <a:bodyPr/>
+          <a:lstStyle/>
+          <a:p>
+            <a:r>
+              <a:rPr lang="en-AU" dirty="0"/>
+              <a:t>There are many tools out there…</a:t>
+            </a:r>
+          </a:p>
+        </p:txBody>
+      </p:sp>
+      <p:pic>
+        <p:nvPicPr>
+          <p:cNvPr id="5" name="Content Placeholder 4">
+            <a:extLst>
+              <a:ext uri="{FF2B5EF4-FFF2-40B4-BE49-F238E27FC236}">
+                <a16:creationId xmlns:a16="http://schemas.microsoft.com/office/drawing/2014/main" id="{6884A66F-C1B4-153E-C7CE-54E77D42C261}"/>
+              </a:ext>
+            </a:extLst>
+          </p:cNvPr>
+          <p:cNvPicPr>
+            <a:picLocks noGrp="1" noChangeAspect="1"/>
+          </p:cNvPicPr>
+          <p:nvPr>
+            <p:ph idx="1"/>
+          </p:nvPr>
+        </p:nvPicPr>
+        <p:blipFill>
+          <a:blip r:embed="rId2"/>
+          <a:stretch>
+            <a:fillRect/>
+          </a:stretch>
+        </p:blipFill>
+        <p:spPr>
+          <a:xfrm>
+            <a:off x="1444829" y="2069275"/>
+            <a:ext cx="5210175" cy="695325"/>
+          </a:xfrm>
+        </p:spPr>
+      </p:pic>
+    </p:spTree>
+    <p:extLst>
+      <p:ext uri="{BB962C8B-B14F-4D97-AF65-F5344CB8AC3E}">
+        <p14:creationId xmlns:p14="http://schemas.microsoft.com/office/powerpoint/2010/main" val="1153821141"/>
+      </p:ext>
+    </p:extLst>
+  </p:cSld>
+  <p:clrMapOvr>
+    <a:masterClrMapping/>
+  </p:clrMapOvr>
+</p:sld>
+</file>
+
+<file path=ppt/slides/slide13.xml><?xml version="1.0" encoding="utf-8"?>
+<p:sld xmlns:a="http://schemas.openxmlformats.org/drawingml/2006/main" xmlns:r="http://schemas.openxmlformats.org/officeDocument/2006/relationships" xmlns:p="http://schemas.openxmlformats.org/presentationml/2006/main">
+  <p:cSld>
+    <p:spTree>
+      <p:nvGrpSpPr>
+        <p:cNvPr id="1" name=""/>
+        <p:cNvGrpSpPr/>
+        <p:nvPr/>
+      </p:nvGrpSpPr>
+      <p:grpSpPr>
+        <a:xfrm>
+          <a:off x="0" y="0"/>
+          <a:ext cx="0" cy="0"/>
+          <a:chOff x="0" y="0"/>
+          <a:chExt cx="0" cy="0"/>
+        </a:xfrm>
+      </p:grpSpPr>
+      <p:sp>
+        <p:nvSpPr>
+          <p:cNvPr id="2" name="Title 1">
+            <a:extLst>
+              <a:ext uri="{FF2B5EF4-FFF2-40B4-BE49-F238E27FC236}">
+                <a16:creationId xmlns:a16="http://schemas.microsoft.com/office/drawing/2014/main" id="{69F93DC5-C091-B5D7-7BDF-1E132F8753EA}"/>
+              </a:ext>
+            </a:extLst>
+          </p:cNvPr>
+          <p:cNvSpPr>
+            <a:spLocks noGrp="1"/>
+          </p:cNvSpPr>
+          <p:nvPr>
+            <p:ph type="title"/>
+          </p:nvPr>
+        </p:nvSpPr>
+        <p:spPr/>
+        <p:txBody>
+          <a:bodyPr/>
+          <a:lstStyle/>
+          <a:p>
+            <a:r>
+              <a:rPr lang="en-AU" dirty="0"/>
+              <a:t>Study region – South East Queensland</a:t>
+            </a:r>
+          </a:p>
+        </p:txBody>
+      </p:sp>
+      <p:pic>
+        <p:nvPicPr>
+          <p:cNvPr id="4" name="Content Placeholder 3">
+            <a:extLst>
+              <a:ext uri="{FF2B5EF4-FFF2-40B4-BE49-F238E27FC236}">
+                <a16:creationId xmlns:a16="http://schemas.microsoft.com/office/drawing/2014/main" id="{F15309A1-7837-BBB9-F013-B4EEB7A0CFB1}"/>
+              </a:ext>
+            </a:extLst>
+          </p:cNvPr>
+          <p:cNvPicPr>
+            <a:picLocks noGrp="1" noChangeAspect="1"/>
+          </p:cNvPicPr>
+          <p:nvPr>
+            <p:ph idx="1"/>
+          </p:nvPr>
+        </p:nvPicPr>
+        <p:blipFill>
+          <a:blip r:embed="rId2"/>
+          <a:stretch>
+            <a:fillRect/>
+          </a:stretch>
+        </p:blipFill>
+        <p:spPr>
+          <a:xfrm>
+            <a:off x="3548441" y="1825625"/>
+            <a:ext cx="5095118" cy="4351338"/>
+          </a:xfrm>
+          <a:prstGeom prst="rect">
+            <a:avLst/>
+          </a:prstGeom>
+        </p:spPr>
+      </p:pic>
+    </p:spTree>
+    <p:extLst>
+      <p:ext uri="{BB962C8B-B14F-4D97-AF65-F5344CB8AC3E}">
+        <p14:creationId xmlns:p14="http://schemas.microsoft.com/office/powerpoint/2010/main" val="1117058006"/>
+      </p:ext>
+    </p:extLst>
+  </p:cSld>
+  <p:clrMapOvr>
+    <a:masterClrMapping/>
+  </p:clrMapOvr>
+</p:sld>
+</file>
+
+<file path=ppt/slides/slide14.xml><?xml version="1.0" encoding="utf-8"?>
+<p:sld xmlns:a="http://schemas.openxmlformats.org/drawingml/2006/main" xmlns:r="http://schemas.openxmlformats.org/officeDocument/2006/relationships" xmlns:p="http://schemas.openxmlformats.org/presentationml/2006/main">
+  <p:cSld>
+    <p:spTree>
+      <p:nvGrpSpPr>
+        <p:cNvPr id="1" name=""/>
+        <p:cNvGrpSpPr/>
+        <p:nvPr/>
+      </p:nvGrpSpPr>
+      <p:grpSpPr>
+        <a:xfrm>
+          <a:off x="0" y="0"/>
+          <a:ext cx="0" cy="0"/>
+          <a:chOff x="0" y="0"/>
+          <a:chExt cx="0" cy="0"/>
+        </a:xfrm>
+      </p:grpSpPr>
+      <p:pic>
+        <p:nvPicPr>
+          <p:cNvPr id="2" name="Picture 1">
+            <a:extLst>
+              <a:ext uri="{FF2B5EF4-FFF2-40B4-BE49-F238E27FC236}">
+                <a16:creationId xmlns:a16="http://schemas.microsoft.com/office/drawing/2014/main" id="{F51CD7A1-E7AF-FDC0-0F31-BD42F255D28F}"/>
+              </a:ext>
+            </a:extLst>
+          </p:cNvPr>
+          <p:cNvPicPr>
+            <a:picLocks noChangeAspect="1"/>
+          </p:cNvPicPr>
+          <p:nvPr/>
+        </p:nvPicPr>
+        <p:blipFill>
+          <a:blip r:embed="rId2"/>
+          <a:stretch>
+            <a:fillRect/>
+          </a:stretch>
+        </p:blipFill>
+        <p:spPr>
+          <a:xfrm>
+            <a:off x="2762250" y="1371600"/>
+            <a:ext cx="6667500" cy="4114800"/>
+          </a:xfrm>
+          <a:prstGeom prst="rect">
+            <a:avLst/>
+          </a:prstGeom>
+        </p:spPr>
+      </p:pic>
+    </p:spTree>
+    <p:extLst>
+      <p:ext uri="{BB962C8B-B14F-4D97-AF65-F5344CB8AC3E}">
+        <p14:creationId xmlns:p14="http://schemas.microsoft.com/office/powerpoint/2010/main" val="4007922882"/>
       </p:ext>
     </p:extLst>
   </p:cSld>
@@ -3497,15 +4349,15 @@
           <p:cNvPr id="2" name="Title 1">
             <a:extLst>
               <a:ext uri="{FF2B5EF4-FFF2-40B4-BE49-F238E27FC236}">
-                <a16:creationId xmlns:a16="http://schemas.microsoft.com/office/drawing/2014/main" id="{69F93DC5-C091-B5D7-7BDF-1E132F8753EA}"/>
-              </a:ext>
-            </a:extLst>
-          </p:cNvPr>
-          <p:cNvSpPr>
-            <a:spLocks noGrp="1"/>
-          </p:cNvSpPr>
-          <p:nvPr>
-            <p:ph type="title"/>
+                <a16:creationId xmlns:a16="http://schemas.microsoft.com/office/drawing/2014/main" id="{D427427A-7DF1-2C46-CFA4-FF7F08F336AC}"/>
+              </a:ext>
+            </a:extLst>
+          </p:cNvPr>
+          <p:cNvSpPr>
+            <a:spLocks noGrp="1"/>
+          </p:cNvSpPr>
+          <p:nvPr>
+            <p:ph type="ctrTitle"/>
           </p:nvPr>
         </p:nvSpPr>
         <p:spPr/>
@@ -3515,47 +4367,40 @@
           <a:p>
             <a:r>
               <a:rPr lang="en-AU" dirty="0"/>
-              <a:t>Study region – South East Queensland</a:t>
-            </a:r>
-          </a:p>
-        </p:txBody>
-      </p:sp>
-      <p:pic>
-        <p:nvPicPr>
-          <p:cNvPr id="4" name="Content Placeholder 3">
-            <a:extLst>
-              <a:ext uri="{FF2B5EF4-FFF2-40B4-BE49-F238E27FC236}">
-                <a16:creationId xmlns:a16="http://schemas.microsoft.com/office/drawing/2014/main" id="{F15309A1-7837-BBB9-F013-B4EEB7A0CFB1}"/>
-              </a:ext>
-            </a:extLst>
-          </p:cNvPr>
-          <p:cNvPicPr>
-            <a:picLocks noGrp="1" noChangeAspect="1"/>
-          </p:cNvPicPr>
-          <p:nvPr>
-            <p:ph idx="1"/>
-          </p:nvPr>
-        </p:nvPicPr>
-        <p:blipFill>
-          <a:blip r:embed="rId2"/>
-          <a:stretch>
-            <a:fillRect/>
-          </a:stretch>
-        </p:blipFill>
-        <p:spPr>
-          <a:xfrm>
-            <a:off x="3548441" y="1825625"/>
-            <a:ext cx="5095118" cy="4351338"/>
-          </a:xfrm>
-          <a:prstGeom prst="rect">
-            <a:avLst/>
-          </a:prstGeom>
-        </p:spPr>
-      </p:pic>
+              <a:t>SDMs </a:t>
+            </a:r>
+          </a:p>
+        </p:txBody>
+      </p:sp>
+      <p:sp>
+        <p:nvSpPr>
+          <p:cNvPr id="3" name="Subtitle 2">
+            <a:extLst>
+              <a:ext uri="{FF2B5EF4-FFF2-40B4-BE49-F238E27FC236}">
+                <a16:creationId xmlns:a16="http://schemas.microsoft.com/office/drawing/2014/main" id="{CB7BBB74-7974-D561-BA2C-FC12169D1672}"/>
+              </a:ext>
+            </a:extLst>
+          </p:cNvPr>
+          <p:cNvSpPr>
+            <a:spLocks noGrp="1"/>
+          </p:cNvSpPr>
+          <p:nvPr>
+            <p:ph type="subTitle" idx="1"/>
+          </p:nvPr>
+        </p:nvSpPr>
+        <p:spPr/>
+        <p:txBody>
+          <a:bodyPr/>
+          <a:lstStyle/>
+          <a:p>
+            <a:endParaRPr lang="en-AU"/>
+          </a:p>
+        </p:txBody>
+      </p:sp>
     </p:spTree>
     <p:extLst>
       <p:ext uri="{BB962C8B-B14F-4D97-AF65-F5344CB8AC3E}">
-        <p14:creationId xmlns:p14="http://schemas.microsoft.com/office/powerpoint/2010/main" val="2155328107"/>
+        <p14:creationId xmlns:p14="http://schemas.microsoft.com/office/powerpoint/2010/main" val="3612432494"/>
       </p:ext>
     </p:extLst>
   </p:cSld>
@@ -3582,12 +4427,74 @@
           <a:chExt cx="0" cy="0"/>
         </a:xfrm>
       </p:grpSpPr>
+      <p:sp>
+        <p:nvSpPr>
+          <p:cNvPr id="2" name="Title 1">
+            <a:extLst>
+              <a:ext uri="{FF2B5EF4-FFF2-40B4-BE49-F238E27FC236}">
+                <a16:creationId xmlns:a16="http://schemas.microsoft.com/office/drawing/2014/main" id="{AAC8C758-1F79-2CCB-72B2-FC746025B3B9}"/>
+              </a:ext>
+            </a:extLst>
+          </p:cNvPr>
+          <p:cNvSpPr>
+            <a:spLocks noGrp="1"/>
+          </p:cNvSpPr>
+          <p:nvPr>
+            <p:ph type="title"/>
+          </p:nvPr>
+        </p:nvSpPr>
+        <p:spPr/>
+        <p:txBody>
+          <a:bodyPr/>
+          <a:lstStyle/>
+          <a:p>
+            <a:r>
+              <a:rPr lang="en-AU" dirty="0"/>
+              <a:t>Who are we?</a:t>
+            </a:r>
+          </a:p>
+        </p:txBody>
+      </p:sp>
       <p:pic>
         <p:nvPicPr>
-          <p:cNvPr id="2" name="Picture 1">
-            <a:extLst>
-              <a:ext uri="{FF2B5EF4-FFF2-40B4-BE49-F238E27FC236}">
-                <a16:creationId xmlns:a16="http://schemas.microsoft.com/office/drawing/2014/main" id="{F51CD7A1-E7AF-FDC0-0F31-BD42F255D28F}"/>
+          <p:cNvPr id="5" name="Content Placeholder 4" descr="A person smiling at the camera&#10;&#10;AI-generated content may be incorrect.">
+            <a:extLst>
+              <a:ext uri="{FF2B5EF4-FFF2-40B4-BE49-F238E27FC236}">
+                <a16:creationId xmlns:a16="http://schemas.microsoft.com/office/drawing/2014/main" id="{66C23EC4-E8F3-96C9-586A-6DFA355DA1F8}"/>
+              </a:ext>
+            </a:extLst>
+          </p:cNvPr>
+          <p:cNvPicPr>
+            <a:picLocks noGrp="1" noChangeAspect="1"/>
+          </p:cNvPicPr>
+          <p:nvPr>
+            <p:ph idx="1"/>
+          </p:nvPr>
+        </p:nvPicPr>
+        <p:blipFill>
+          <a:blip r:embed="rId2">
+            <a:extLst>
+              <a:ext uri="{28A0092B-C50C-407E-A947-70E740481C1C}">
+                <a14:useLocalDpi xmlns:a14="http://schemas.microsoft.com/office/drawing/2010/main" val="0"/>
+              </a:ext>
+            </a:extLst>
+          </a:blip>
+          <a:srcRect t="15261" r="10468" b="26481"/>
+          <a:stretch/>
+        </p:blipFill>
+        <p:spPr>
+          <a:xfrm>
+            <a:off x="7708458" y="2183225"/>
+            <a:ext cx="2760184" cy="2694030"/>
+          </a:xfrm>
+        </p:spPr>
+      </p:pic>
+      <p:pic>
+        <p:nvPicPr>
+          <p:cNvPr id="6" name="Picture 5">
+            <a:extLst>
+              <a:ext uri="{FF2B5EF4-FFF2-40B4-BE49-F238E27FC236}">
+                <a16:creationId xmlns:a16="http://schemas.microsoft.com/office/drawing/2014/main" id="{064DCADF-2770-9359-A949-C05A10927C55}"/>
               </a:ext>
             </a:extLst>
           </p:cNvPr>
@@ -3597,15 +4504,15 @@
           <p:nvPr/>
         </p:nvPicPr>
         <p:blipFill>
-          <a:blip r:embed="rId2"/>
+          <a:blip r:embed="rId3"/>
           <a:stretch>
             <a:fillRect/>
           </a:stretch>
         </p:blipFill>
         <p:spPr>
           <a:xfrm>
-            <a:off x="2762250" y="1371600"/>
-            <a:ext cx="6667500" cy="4114800"/>
+            <a:off x="1723358" y="2280038"/>
+            <a:ext cx="2597217" cy="2597217"/>
           </a:xfrm>
           <a:prstGeom prst="rect">
             <a:avLst/>
@@ -3615,7 +4522,968 @@
     </p:spTree>
     <p:extLst>
       <p:ext uri="{BB962C8B-B14F-4D97-AF65-F5344CB8AC3E}">
-        <p14:creationId xmlns:p14="http://schemas.microsoft.com/office/powerpoint/2010/main" val="437120976"/>
+        <p14:creationId xmlns:p14="http://schemas.microsoft.com/office/powerpoint/2010/main" val="331342616"/>
+      </p:ext>
+    </p:extLst>
+  </p:cSld>
+  <p:clrMapOvr>
+    <a:masterClrMapping/>
+  </p:clrMapOvr>
+</p:sld>
+</file>
+
+<file path=ppt/slides/slide4.xml><?xml version="1.0" encoding="utf-8"?>
+<p:sld xmlns:a="http://schemas.openxmlformats.org/drawingml/2006/main" xmlns:r="http://schemas.openxmlformats.org/officeDocument/2006/relationships" xmlns:p="http://schemas.openxmlformats.org/presentationml/2006/main">
+  <p:cSld>
+    <p:spTree>
+      <p:nvGrpSpPr>
+        <p:cNvPr id="1" name="">
+          <a:extLst>
+            <a:ext uri="{FF2B5EF4-FFF2-40B4-BE49-F238E27FC236}">
+              <a16:creationId xmlns:a16="http://schemas.microsoft.com/office/drawing/2014/main" id="{A5D54119-3186-C60A-7ED1-6BFB8465EBD3}"/>
+            </a:ext>
+          </a:extLst>
+        </p:cNvPr>
+        <p:cNvGrpSpPr/>
+        <p:nvPr/>
+      </p:nvGrpSpPr>
+      <p:grpSpPr>
+        <a:xfrm>
+          <a:off x="0" y="0"/>
+          <a:ext cx="0" cy="0"/>
+          <a:chOff x="0" y="0"/>
+          <a:chExt cx="0" cy="0"/>
+        </a:xfrm>
+      </p:grpSpPr>
+      <p:sp>
+        <p:nvSpPr>
+          <p:cNvPr id="2" name="Title 1">
+            <a:extLst>
+              <a:ext uri="{FF2B5EF4-FFF2-40B4-BE49-F238E27FC236}">
+                <a16:creationId xmlns:a16="http://schemas.microsoft.com/office/drawing/2014/main" id="{D808B9B5-8D56-7E22-DC7D-3588E8A95DAD}"/>
+              </a:ext>
+            </a:extLst>
+          </p:cNvPr>
+          <p:cNvSpPr>
+            <a:spLocks noGrp="1"/>
+          </p:cNvSpPr>
+          <p:nvPr>
+            <p:ph type="title"/>
+          </p:nvPr>
+        </p:nvSpPr>
+        <p:spPr/>
+        <p:txBody>
+          <a:bodyPr/>
+          <a:lstStyle/>
+          <a:p>
+            <a:r>
+              <a:rPr lang="en-AU" dirty="0"/>
+              <a:t>How will this workshop run?</a:t>
+            </a:r>
+          </a:p>
+        </p:txBody>
+      </p:sp>
+      <p:sp>
+        <p:nvSpPr>
+          <p:cNvPr id="3" name="Content Placeholder 2">
+            <a:extLst>
+              <a:ext uri="{FF2B5EF4-FFF2-40B4-BE49-F238E27FC236}">
+                <a16:creationId xmlns:a16="http://schemas.microsoft.com/office/drawing/2014/main" id="{91067EC3-A3BD-296C-7F49-B08805173E11}"/>
+              </a:ext>
+            </a:extLst>
+          </p:cNvPr>
+          <p:cNvSpPr>
+            <a:spLocks noGrp="1"/>
+          </p:cNvSpPr>
+          <p:nvPr>
+            <p:ph idx="1"/>
+          </p:nvPr>
+        </p:nvSpPr>
+        <p:spPr/>
+        <p:txBody>
+          <a:bodyPr/>
+          <a:lstStyle/>
+          <a:p>
+            <a:endParaRPr lang="en-AU"/>
+          </a:p>
+        </p:txBody>
+      </p:sp>
+    </p:spTree>
+    <p:extLst>
+      <p:ext uri="{BB962C8B-B14F-4D97-AF65-F5344CB8AC3E}">
+        <p14:creationId xmlns:p14="http://schemas.microsoft.com/office/powerpoint/2010/main" val="1371601781"/>
+      </p:ext>
+    </p:extLst>
+  </p:cSld>
+  <p:clrMapOvr>
+    <a:masterClrMapping/>
+  </p:clrMapOvr>
+</p:sld>
+</file>
+
+<file path=ppt/slides/slide5.xml><?xml version="1.0" encoding="utf-8"?>
+<p:sld xmlns:a="http://schemas.openxmlformats.org/drawingml/2006/main" xmlns:r="http://schemas.openxmlformats.org/officeDocument/2006/relationships" xmlns:p="http://schemas.openxmlformats.org/presentationml/2006/main">
+  <p:cSld>
+    <p:spTree>
+      <p:nvGrpSpPr>
+        <p:cNvPr id="1" name="">
+          <a:extLst>
+            <a:ext uri="{FF2B5EF4-FFF2-40B4-BE49-F238E27FC236}">
+              <a16:creationId xmlns:a16="http://schemas.microsoft.com/office/drawing/2014/main" id="{DBE069B7-30DF-647B-C0D8-7C51500F013D}"/>
+            </a:ext>
+          </a:extLst>
+        </p:cNvPr>
+        <p:cNvGrpSpPr/>
+        <p:nvPr/>
+      </p:nvGrpSpPr>
+      <p:grpSpPr>
+        <a:xfrm>
+          <a:off x="0" y="0"/>
+          <a:ext cx="0" cy="0"/>
+          <a:chOff x="0" y="0"/>
+          <a:chExt cx="0" cy="0"/>
+        </a:xfrm>
+      </p:grpSpPr>
+      <p:sp>
+        <p:nvSpPr>
+          <p:cNvPr id="2" name="Title 1">
+            <a:extLst>
+              <a:ext uri="{FF2B5EF4-FFF2-40B4-BE49-F238E27FC236}">
+                <a16:creationId xmlns:a16="http://schemas.microsoft.com/office/drawing/2014/main" id="{1B790A4D-50FF-1253-1551-5BCB378406D2}"/>
+              </a:ext>
+            </a:extLst>
+          </p:cNvPr>
+          <p:cNvSpPr>
+            <a:spLocks noGrp="1"/>
+          </p:cNvSpPr>
+          <p:nvPr>
+            <p:ph type="title"/>
+          </p:nvPr>
+        </p:nvSpPr>
+        <p:spPr/>
+        <p:txBody>
+          <a:bodyPr/>
+          <a:lstStyle/>
+          <a:p>
+            <a:r>
+              <a:rPr lang="en-AU" dirty="0"/>
+              <a:t>Species Distribution Modelling 101</a:t>
+            </a:r>
+          </a:p>
+        </p:txBody>
+      </p:sp>
+      <p:sp>
+        <p:nvSpPr>
+          <p:cNvPr id="3" name="Content Placeholder 2">
+            <a:extLst>
+              <a:ext uri="{FF2B5EF4-FFF2-40B4-BE49-F238E27FC236}">
+                <a16:creationId xmlns:a16="http://schemas.microsoft.com/office/drawing/2014/main" id="{5E7BF1BB-BDB8-1E26-D07D-3A357E6C46BE}"/>
+              </a:ext>
+            </a:extLst>
+          </p:cNvPr>
+          <p:cNvSpPr>
+            <a:spLocks noGrp="1"/>
+          </p:cNvSpPr>
+          <p:nvPr>
+            <p:ph idx="1"/>
+          </p:nvPr>
+        </p:nvSpPr>
+        <p:spPr/>
+        <p:txBody>
+          <a:bodyPr/>
+          <a:lstStyle/>
+          <a:p>
+            <a:endParaRPr lang="en-AU"/>
+          </a:p>
+        </p:txBody>
+      </p:sp>
+    </p:spTree>
+    <p:extLst>
+      <p:ext uri="{BB962C8B-B14F-4D97-AF65-F5344CB8AC3E}">
+        <p14:creationId xmlns:p14="http://schemas.microsoft.com/office/powerpoint/2010/main" val="65016677"/>
+      </p:ext>
+    </p:extLst>
+  </p:cSld>
+  <p:clrMapOvr>
+    <a:masterClrMapping/>
+  </p:clrMapOvr>
+</p:sld>
+</file>
+
+<file path=ppt/slides/slide6.xml><?xml version="1.0" encoding="utf-8"?>
+<p:sld xmlns:a="http://schemas.openxmlformats.org/drawingml/2006/main" xmlns:r="http://schemas.openxmlformats.org/officeDocument/2006/relationships" xmlns:p="http://schemas.openxmlformats.org/presentationml/2006/main">
+  <p:cSld>
+    <p:spTree>
+      <p:nvGrpSpPr>
+        <p:cNvPr id="1" name=""/>
+        <p:cNvGrpSpPr/>
+        <p:nvPr/>
+      </p:nvGrpSpPr>
+      <p:grpSpPr>
+        <a:xfrm>
+          <a:off x="0" y="0"/>
+          <a:ext cx="0" cy="0"/>
+          <a:chOff x="0" y="0"/>
+          <a:chExt cx="0" cy="0"/>
+        </a:xfrm>
+      </p:grpSpPr>
+      <p:sp>
+        <p:nvSpPr>
+          <p:cNvPr id="2" name="Title 1">
+            <a:extLst>
+              <a:ext uri="{FF2B5EF4-FFF2-40B4-BE49-F238E27FC236}">
+                <a16:creationId xmlns:a16="http://schemas.microsoft.com/office/drawing/2014/main" id="{E416B7F0-CEB3-F66C-96ED-ABBD9330E3DC}"/>
+              </a:ext>
+            </a:extLst>
+          </p:cNvPr>
+          <p:cNvSpPr>
+            <a:spLocks noGrp="1"/>
+          </p:cNvSpPr>
+          <p:nvPr>
+            <p:ph type="title"/>
+          </p:nvPr>
+        </p:nvSpPr>
+        <p:spPr/>
+        <p:txBody>
+          <a:bodyPr/>
+          <a:lstStyle/>
+          <a:p>
+            <a:r>
+              <a:rPr lang="en-AU" dirty="0"/>
+              <a:t>Key resources</a:t>
+            </a:r>
+          </a:p>
+        </p:txBody>
+      </p:sp>
+      <p:sp>
+        <p:nvSpPr>
+          <p:cNvPr id="3" name="Content Placeholder 2">
+            <a:extLst>
+              <a:ext uri="{FF2B5EF4-FFF2-40B4-BE49-F238E27FC236}">
+                <a16:creationId xmlns:a16="http://schemas.microsoft.com/office/drawing/2014/main" id="{194045D3-386D-B57E-BFD8-FF722359D076}"/>
+              </a:ext>
+            </a:extLst>
+          </p:cNvPr>
+          <p:cNvSpPr>
+            <a:spLocks noGrp="1"/>
+          </p:cNvSpPr>
+          <p:nvPr>
+            <p:ph idx="1"/>
+          </p:nvPr>
+        </p:nvSpPr>
+        <p:spPr/>
+        <p:txBody>
+          <a:bodyPr/>
+          <a:lstStyle/>
+          <a:p>
+            <a:r>
+              <a:rPr lang="en-AU" b="0" i="0" dirty="0" err="1">
+                <a:solidFill>
+                  <a:srgbClr val="222222"/>
+                </a:solidFill>
+                <a:effectLst/>
+                <a:latin typeface="Arial" panose="020B0604020202020204" pitchFamily="34" charset="0"/>
+              </a:rPr>
+              <a:t>Guillera‐Arroita</a:t>
+            </a:r>
+            <a:r>
+              <a:rPr lang="en-AU" b="0" i="0" dirty="0">
+                <a:solidFill>
+                  <a:srgbClr val="222222"/>
+                </a:solidFill>
+                <a:effectLst/>
+                <a:latin typeface="Arial" panose="020B0604020202020204" pitchFamily="34" charset="0"/>
+              </a:rPr>
+              <a:t> et al. (2015). Is my species distribution model fit for purpose? Matching data and models to applications. </a:t>
+            </a:r>
+            <a:r>
+              <a:rPr lang="en-AU" b="0" i="1" dirty="0">
+                <a:solidFill>
+                  <a:srgbClr val="222222"/>
+                </a:solidFill>
+                <a:effectLst/>
+                <a:latin typeface="Arial" panose="020B0604020202020204" pitchFamily="34" charset="0"/>
+              </a:rPr>
+              <a:t>Global ecology and biogeography</a:t>
+            </a:r>
+            <a:r>
+              <a:rPr lang="en-AU" dirty="0">
+                <a:solidFill>
+                  <a:srgbClr val="222222"/>
+                </a:solidFill>
+                <a:latin typeface="Arial" panose="020B0604020202020204" pitchFamily="34" charset="0"/>
+              </a:rPr>
+              <a:t>.</a:t>
+            </a:r>
+          </a:p>
+          <a:p>
+            <a:r>
+              <a:rPr lang="en-AU" b="0" i="0" dirty="0" err="1">
+                <a:solidFill>
+                  <a:srgbClr val="222222"/>
+                </a:solidFill>
+                <a:effectLst/>
+                <a:latin typeface="Arial" panose="020B0604020202020204" pitchFamily="34" charset="0"/>
+              </a:rPr>
+              <a:t>Guisan</a:t>
+            </a:r>
+            <a:r>
+              <a:rPr lang="en-AU" b="0" i="0" dirty="0">
+                <a:solidFill>
+                  <a:srgbClr val="222222"/>
+                </a:solidFill>
+                <a:effectLst/>
+                <a:latin typeface="Arial" panose="020B0604020202020204" pitchFamily="34" charset="0"/>
+              </a:rPr>
+              <a:t> et al. (2017). </a:t>
+            </a:r>
+            <a:r>
+              <a:rPr lang="en-AU" b="0" i="1" dirty="0">
+                <a:solidFill>
+                  <a:srgbClr val="222222"/>
+                </a:solidFill>
+                <a:effectLst/>
+                <a:latin typeface="Arial" panose="020B0604020202020204" pitchFamily="34" charset="0"/>
+              </a:rPr>
+              <a:t>Habitat suitability and distribution models: with applications in R</a:t>
+            </a:r>
+            <a:r>
+              <a:rPr lang="en-AU" b="0" i="0" dirty="0">
+                <a:solidFill>
+                  <a:srgbClr val="222222"/>
+                </a:solidFill>
+                <a:effectLst/>
+                <a:latin typeface="Arial" panose="020B0604020202020204" pitchFamily="34" charset="0"/>
+              </a:rPr>
+              <a:t>. Cambridge University Press.</a:t>
+            </a:r>
+          </a:p>
+          <a:p>
+            <a:r>
+              <a:rPr lang="en-AU" b="0" i="0" dirty="0">
+                <a:solidFill>
+                  <a:srgbClr val="222222"/>
+                </a:solidFill>
+                <a:effectLst/>
+                <a:latin typeface="Arial" panose="020B0604020202020204" pitchFamily="34" charset="0"/>
+              </a:rPr>
+              <a:t>Araújo et al. (2019). Standards for distribution models in biodiversity assessments. </a:t>
+            </a:r>
+            <a:r>
+              <a:rPr lang="en-AU" b="0" i="1" dirty="0">
+                <a:solidFill>
+                  <a:srgbClr val="222222"/>
+                </a:solidFill>
+                <a:effectLst/>
+                <a:latin typeface="Arial" panose="020B0604020202020204" pitchFamily="34" charset="0"/>
+              </a:rPr>
+              <a:t>Science advances</a:t>
+            </a:r>
+            <a:r>
+              <a:rPr lang="en-AU" b="0" i="0" dirty="0">
+                <a:solidFill>
+                  <a:srgbClr val="222222"/>
+                </a:solidFill>
+                <a:effectLst/>
+                <a:latin typeface="Arial" panose="020B0604020202020204" pitchFamily="34" charset="0"/>
+              </a:rPr>
+              <a:t>.</a:t>
+            </a:r>
+          </a:p>
+          <a:p>
+            <a:r>
+              <a:rPr lang="en-AU" b="0" i="0" dirty="0" err="1">
+                <a:solidFill>
+                  <a:srgbClr val="222222"/>
+                </a:solidFill>
+                <a:effectLst/>
+                <a:latin typeface="Arial" panose="020B0604020202020204" pitchFamily="34" charset="0"/>
+              </a:rPr>
+              <a:t>Zurell</a:t>
+            </a:r>
+            <a:r>
+              <a:rPr lang="en-AU" dirty="0">
+                <a:solidFill>
+                  <a:srgbClr val="222222"/>
+                </a:solidFill>
+                <a:latin typeface="Arial" panose="020B0604020202020204" pitchFamily="34" charset="0"/>
+              </a:rPr>
+              <a:t> </a:t>
+            </a:r>
+            <a:r>
+              <a:rPr lang="en-AU" b="0" i="0" dirty="0">
+                <a:solidFill>
+                  <a:srgbClr val="222222"/>
+                </a:solidFill>
+                <a:effectLst/>
+                <a:latin typeface="Arial" panose="020B0604020202020204" pitchFamily="34" charset="0"/>
+              </a:rPr>
+              <a:t>et al. (2020). A standard protocol for reporting species distribution models. </a:t>
+            </a:r>
+            <a:r>
+              <a:rPr lang="en-AU" b="0" i="1" dirty="0" err="1">
+                <a:solidFill>
+                  <a:srgbClr val="222222"/>
+                </a:solidFill>
+                <a:effectLst/>
+                <a:latin typeface="Arial" panose="020B0604020202020204" pitchFamily="34" charset="0"/>
+              </a:rPr>
+              <a:t>Ecography</a:t>
+            </a:r>
+            <a:r>
+              <a:rPr lang="en-AU" b="0" i="0" dirty="0">
+                <a:solidFill>
+                  <a:srgbClr val="222222"/>
+                </a:solidFill>
+                <a:effectLst/>
+                <a:latin typeface="Arial" panose="020B0604020202020204" pitchFamily="34" charset="0"/>
+              </a:rPr>
+              <a:t>.</a:t>
+            </a:r>
+          </a:p>
+          <a:p>
+            <a:endParaRPr lang="en-AU" dirty="0"/>
+          </a:p>
+        </p:txBody>
+      </p:sp>
+    </p:spTree>
+    <p:extLst>
+      <p:ext uri="{BB962C8B-B14F-4D97-AF65-F5344CB8AC3E}">
+        <p14:creationId xmlns:p14="http://schemas.microsoft.com/office/powerpoint/2010/main" val="2641799269"/>
+      </p:ext>
+    </p:extLst>
+  </p:cSld>
+  <p:clrMapOvr>
+    <a:masterClrMapping/>
+  </p:clrMapOvr>
+</p:sld>
+</file>
+
+<file path=ppt/slides/slide7.xml><?xml version="1.0" encoding="utf-8"?>
+<p:sld xmlns:a="http://schemas.openxmlformats.org/drawingml/2006/main" xmlns:r="http://schemas.openxmlformats.org/officeDocument/2006/relationships" xmlns:p="http://schemas.openxmlformats.org/presentationml/2006/main">
+  <p:cSld>
+    <p:spTree>
+      <p:nvGrpSpPr>
+        <p:cNvPr id="1" name=""/>
+        <p:cNvGrpSpPr/>
+        <p:nvPr/>
+      </p:nvGrpSpPr>
+      <p:grpSpPr>
+        <a:xfrm>
+          <a:off x="0" y="0"/>
+          <a:ext cx="0" cy="0"/>
+          <a:chOff x="0" y="0"/>
+          <a:chExt cx="0" cy="0"/>
+        </a:xfrm>
+      </p:grpSpPr>
+      <p:sp>
+        <p:nvSpPr>
+          <p:cNvPr id="2" name="Title 1">
+            <a:extLst>
+              <a:ext uri="{FF2B5EF4-FFF2-40B4-BE49-F238E27FC236}">
+                <a16:creationId xmlns:a16="http://schemas.microsoft.com/office/drawing/2014/main" id="{8FA8327A-C216-F68F-055E-2696CEEFA144}"/>
+              </a:ext>
+            </a:extLst>
+          </p:cNvPr>
+          <p:cNvSpPr>
+            <a:spLocks noGrp="1"/>
+          </p:cNvSpPr>
+          <p:nvPr>
+            <p:ph type="title"/>
+          </p:nvPr>
+        </p:nvSpPr>
+        <p:spPr/>
+        <p:txBody>
+          <a:bodyPr/>
+          <a:lstStyle/>
+          <a:p>
+            <a:r>
+              <a:rPr lang="en-AU" dirty="0"/>
+              <a:t>Key messages</a:t>
+            </a:r>
+          </a:p>
+        </p:txBody>
+      </p:sp>
+      <p:sp>
+        <p:nvSpPr>
+          <p:cNvPr id="3" name="Content Placeholder 2">
+            <a:extLst>
+              <a:ext uri="{FF2B5EF4-FFF2-40B4-BE49-F238E27FC236}">
+                <a16:creationId xmlns:a16="http://schemas.microsoft.com/office/drawing/2014/main" id="{EFB0CA68-2DD8-3082-79DF-DA6016D1CBDE}"/>
+              </a:ext>
+            </a:extLst>
+          </p:cNvPr>
+          <p:cNvSpPr>
+            <a:spLocks noGrp="1"/>
+          </p:cNvSpPr>
+          <p:nvPr>
+            <p:ph idx="1"/>
+          </p:nvPr>
+        </p:nvSpPr>
+        <p:spPr/>
+        <p:txBody>
+          <a:bodyPr/>
+          <a:lstStyle/>
+          <a:p>
+            <a:r>
+              <a:rPr lang="en-AU" dirty="0"/>
+              <a:t>Modelling is often more art than science</a:t>
+            </a:r>
+          </a:p>
+          <a:p>
+            <a:r>
+              <a:rPr lang="en-AU" dirty="0"/>
+              <a:t>We make many decisions along the way</a:t>
+            </a:r>
+          </a:p>
+          <a:p>
+            <a:r>
+              <a:rPr lang="en-AU" dirty="0"/>
+              <a:t>We need to be transparent and clear about these decisions</a:t>
+            </a:r>
+          </a:p>
+          <a:p>
+            <a:r>
+              <a:rPr lang="en-AU" dirty="0"/>
+              <a:t>We need to spend time understanding the effect of our decisions</a:t>
+            </a:r>
+          </a:p>
+          <a:p>
+            <a:pPr marL="0" indent="0">
+              <a:buNone/>
+            </a:pPr>
+            <a:endParaRPr lang="en-AU" dirty="0"/>
+          </a:p>
+        </p:txBody>
+      </p:sp>
+    </p:spTree>
+    <p:extLst>
+      <p:ext uri="{BB962C8B-B14F-4D97-AF65-F5344CB8AC3E}">
+        <p14:creationId xmlns:p14="http://schemas.microsoft.com/office/powerpoint/2010/main" val="1197906918"/>
+      </p:ext>
+    </p:extLst>
+  </p:cSld>
+  <p:clrMapOvr>
+    <a:masterClrMapping/>
+  </p:clrMapOvr>
+</p:sld>
+</file>
+
+<file path=ppt/slides/slide8.xml><?xml version="1.0" encoding="utf-8"?>
+<p:sld xmlns:a="http://schemas.openxmlformats.org/drawingml/2006/main" xmlns:r="http://schemas.openxmlformats.org/officeDocument/2006/relationships" xmlns:p="http://schemas.openxmlformats.org/presentationml/2006/main">
+  <p:cSld>
+    <p:spTree>
+      <p:nvGrpSpPr>
+        <p:cNvPr id="1" name=""/>
+        <p:cNvGrpSpPr/>
+        <p:nvPr/>
+      </p:nvGrpSpPr>
+      <p:grpSpPr>
+        <a:xfrm>
+          <a:off x="0" y="0"/>
+          <a:ext cx="0" cy="0"/>
+          <a:chOff x="0" y="0"/>
+          <a:chExt cx="0" cy="0"/>
+        </a:xfrm>
+      </p:grpSpPr>
+      <p:sp>
+        <p:nvSpPr>
+          <p:cNvPr id="2" name="Title 1">
+            <a:extLst>
+              <a:ext uri="{FF2B5EF4-FFF2-40B4-BE49-F238E27FC236}">
+                <a16:creationId xmlns:a16="http://schemas.microsoft.com/office/drawing/2014/main" id="{8C8123CD-590E-A9B6-F111-12D43745F839}"/>
+              </a:ext>
+            </a:extLst>
+          </p:cNvPr>
+          <p:cNvSpPr>
+            <a:spLocks noGrp="1"/>
+          </p:cNvSpPr>
+          <p:nvPr>
+            <p:ph type="title"/>
+          </p:nvPr>
+        </p:nvSpPr>
+        <p:spPr/>
+        <p:txBody>
+          <a:bodyPr/>
+          <a:lstStyle/>
+          <a:p>
+            <a:r>
+              <a:rPr lang="en-AU" dirty="0"/>
+              <a:t>Getting started – some questions to ask yourself </a:t>
+            </a:r>
+          </a:p>
+        </p:txBody>
+      </p:sp>
+      <p:sp>
+        <p:nvSpPr>
+          <p:cNvPr id="3" name="Content Placeholder 2">
+            <a:extLst>
+              <a:ext uri="{FF2B5EF4-FFF2-40B4-BE49-F238E27FC236}">
+                <a16:creationId xmlns:a16="http://schemas.microsoft.com/office/drawing/2014/main" id="{AEDB92F1-A3C8-014A-964B-910F893AF533}"/>
+              </a:ext>
+            </a:extLst>
+          </p:cNvPr>
+          <p:cNvSpPr>
+            <a:spLocks noGrp="1"/>
+          </p:cNvSpPr>
+          <p:nvPr>
+            <p:ph idx="1"/>
+          </p:nvPr>
+        </p:nvSpPr>
+        <p:spPr/>
+        <p:txBody>
+          <a:bodyPr/>
+          <a:lstStyle/>
+          <a:p>
+            <a:pPr marL="514350" indent="-514350">
+              <a:buAutoNum type="arabicPeriod"/>
+            </a:pPr>
+            <a:r>
+              <a:rPr lang="en-AU" dirty="0"/>
+              <a:t>What is the aim of my model? </a:t>
+            </a:r>
+          </a:p>
+          <a:p>
+            <a:r>
+              <a:rPr lang="en-AU" dirty="0"/>
+              <a:t>Explanation</a:t>
+            </a:r>
+          </a:p>
+          <a:p>
+            <a:r>
+              <a:rPr lang="en-AU" dirty="0"/>
+              <a:t>Mapping</a:t>
+            </a:r>
+          </a:p>
+          <a:p>
+            <a:r>
+              <a:rPr lang="en-AU" dirty="0"/>
+              <a:t>Transfer</a:t>
+            </a:r>
+          </a:p>
+          <a:p>
+            <a:pPr marL="514350" indent="-514350">
+              <a:buAutoNum type="arabicPeriod"/>
+            </a:pPr>
+            <a:endParaRPr lang="en-AU" dirty="0"/>
+          </a:p>
+          <a:p>
+            <a:pPr marL="514350" indent="-514350">
+              <a:buAutoNum type="arabicPeriod"/>
+            </a:pPr>
+            <a:endParaRPr lang="en-AU" dirty="0"/>
+          </a:p>
+          <a:p>
+            <a:pPr marL="0" indent="0">
+              <a:buNone/>
+            </a:pPr>
+            <a:endParaRPr lang="en-AU" dirty="0"/>
+          </a:p>
+        </p:txBody>
+      </p:sp>
+      <p:sp>
+        <p:nvSpPr>
+          <p:cNvPr id="5" name="TextBox 4">
+            <a:extLst>
+              <a:ext uri="{FF2B5EF4-FFF2-40B4-BE49-F238E27FC236}">
+                <a16:creationId xmlns:a16="http://schemas.microsoft.com/office/drawing/2014/main" id="{2DBDB088-C20D-241C-8D39-41836032F51A}"/>
+              </a:ext>
+            </a:extLst>
+          </p:cNvPr>
+          <p:cNvSpPr txBox="1"/>
+          <p:nvPr/>
+        </p:nvSpPr>
+        <p:spPr>
+          <a:xfrm>
+            <a:off x="6199361" y="5988734"/>
+            <a:ext cx="6097508" cy="646331"/>
+          </a:xfrm>
+          <a:prstGeom prst="rect">
+            <a:avLst/>
+          </a:prstGeom>
+          <a:noFill/>
+        </p:spPr>
+        <p:txBody>
+          <a:bodyPr wrap="square">
+            <a:spAutoFit/>
+          </a:bodyPr>
+          <a:lstStyle/>
+          <a:p>
+            <a:r>
+              <a:rPr lang="en-AU" b="0" i="0" dirty="0">
+                <a:solidFill>
+                  <a:srgbClr val="222222"/>
+                </a:solidFill>
+                <a:effectLst/>
+                <a:latin typeface="Arial" panose="020B0604020202020204" pitchFamily="34" charset="0"/>
+              </a:rPr>
+              <a:t>Araújo et al. (2019). Standards for distribution models in biodiversity assessments. </a:t>
+            </a:r>
+            <a:r>
+              <a:rPr lang="en-AU" b="0" i="1" dirty="0">
+                <a:solidFill>
+                  <a:srgbClr val="222222"/>
+                </a:solidFill>
+                <a:effectLst/>
+                <a:latin typeface="Arial" panose="020B0604020202020204" pitchFamily="34" charset="0"/>
+              </a:rPr>
+              <a:t>Science advances</a:t>
+            </a:r>
+            <a:r>
+              <a:rPr lang="en-AU" b="0" i="0" dirty="0">
+                <a:solidFill>
+                  <a:srgbClr val="222222"/>
+                </a:solidFill>
+                <a:effectLst/>
+                <a:latin typeface="Arial" panose="020B0604020202020204" pitchFamily="34" charset="0"/>
+              </a:rPr>
+              <a:t>.</a:t>
+            </a:r>
+          </a:p>
+        </p:txBody>
+      </p:sp>
+    </p:spTree>
+    <p:extLst>
+      <p:ext uri="{BB962C8B-B14F-4D97-AF65-F5344CB8AC3E}">
+        <p14:creationId xmlns:p14="http://schemas.microsoft.com/office/powerpoint/2010/main" val="2889341016"/>
+      </p:ext>
+    </p:extLst>
+  </p:cSld>
+  <p:clrMapOvr>
+    <a:masterClrMapping/>
+  </p:clrMapOvr>
+</p:sld>
+</file>
+
+<file path=ppt/slides/slide9.xml><?xml version="1.0" encoding="utf-8"?>
+<p:sld xmlns:a="http://schemas.openxmlformats.org/drawingml/2006/main" xmlns:r="http://schemas.openxmlformats.org/officeDocument/2006/relationships" xmlns:p="http://schemas.openxmlformats.org/presentationml/2006/main">
+  <p:cSld>
+    <p:spTree>
+      <p:nvGrpSpPr>
+        <p:cNvPr id="1" name="">
+          <a:extLst>
+            <a:ext uri="{FF2B5EF4-FFF2-40B4-BE49-F238E27FC236}">
+              <a16:creationId xmlns:a16="http://schemas.microsoft.com/office/drawing/2014/main" id="{46657249-D778-0868-4167-B57EA45444FE}"/>
+            </a:ext>
+          </a:extLst>
+        </p:cNvPr>
+        <p:cNvGrpSpPr/>
+        <p:nvPr/>
+      </p:nvGrpSpPr>
+      <p:grpSpPr>
+        <a:xfrm>
+          <a:off x="0" y="0"/>
+          <a:ext cx="0" cy="0"/>
+          <a:chOff x="0" y="0"/>
+          <a:chExt cx="0" cy="0"/>
+        </a:xfrm>
+      </p:grpSpPr>
+      <p:sp>
+        <p:nvSpPr>
+          <p:cNvPr id="2" name="Title 1">
+            <a:extLst>
+              <a:ext uri="{FF2B5EF4-FFF2-40B4-BE49-F238E27FC236}">
+                <a16:creationId xmlns:a16="http://schemas.microsoft.com/office/drawing/2014/main" id="{47E026ED-6219-A6DF-0667-2B021842A4D1}"/>
+              </a:ext>
+            </a:extLst>
+          </p:cNvPr>
+          <p:cNvSpPr>
+            <a:spLocks noGrp="1"/>
+          </p:cNvSpPr>
+          <p:nvPr>
+            <p:ph type="title"/>
+          </p:nvPr>
+        </p:nvSpPr>
+        <p:spPr/>
+        <p:txBody>
+          <a:bodyPr/>
+          <a:lstStyle/>
+          <a:p>
+            <a:r>
+              <a:rPr lang="en-AU" dirty="0"/>
+              <a:t>Getting started – some questions to ask yourself </a:t>
+            </a:r>
+          </a:p>
+        </p:txBody>
+      </p:sp>
+      <p:sp>
+        <p:nvSpPr>
+          <p:cNvPr id="3" name="Content Placeholder 2">
+            <a:extLst>
+              <a:ext uri="{FF2B5EF4-FFF2-40B4-BE49-F238E27FC236}">
+                <a16:creationId xmlns:a16="http://schemas.microsoft.com/office/drawing/2014/main" id="{B1448936-6E1B-97B6-2F08-809F7343F01B}"/>
+              </a:ext>
+            </a:extLst>
+          </p:cNvPr>
+          <p:cNvSpPr>
+            <a:spLocks noGrp="1"/>
+          </p:cNvSpPr>
+          <p:nvPr>
+            <p:ph idx="1"/>
+          </p:nvPr>
+        </p:nvSpPr>
+        <p:spPr/>
+        <p:txBody>
+          <a:bodyPr/>
+          <a:lstStyle/>
+          <a:p>
+            <a:pPr marL="514350" indent="-514350">
+              <a:buAutoNum type="arabicPeriod"/>
+            </a:pPr>
+            <a:r>
+              <a:rPr lang="en-AU" dirty="0"/>
+              <a:t>What is the aim of my model? </a:t>
+            </a:r>
+          </a:p>
+          <a:p>
+            <a:r>
+              <a:rPr lang="en-AU" dirty="0"/>
+              <a:t>Explanation</a:t>
+            </a:r>
+          </a:p>
+          <a:p>
+            <a:r>
+              <a:rPr lang="en-AU" dirty="0"/>
+              <a:t>Mapping</a:t>
+            </a:r>
+          </a:p>
+          <a:p>
+            <a:r>
+              <a:rPr lang="en-AU" dirty="0"/>
+              <a:t>Transfer</a:t>
+            </a:r>
+          </a:p>
+          <a:p>
+            <a:pPr marL="514350" indent="-514350">
+              <a:buAutoNum type="arabicPeriod"/>
+            </a:pPr>
+            <a:endParaRPr lang="en-AU" dirty="0"/>
+          </a:p>
+          <a:p>
+            <a:pPr marL="0" indent="0">
+              <a:buNone/>
+            </a:pPr>
+            <a:endParaRPr lang="en-AU" dirty="0"/>
+          </a:p>
+        </p:txBody>
+      </p:sp>
+      <p:sp>
+        <p:nvSpPr>
+          <p:cNvPr id="5" name="TextBox 4">
+            <a:extLst>
+              <a:ext uri="{FF2B5EF4-FFF2-40B4-BE49-F238E27FC236}">
+                <a16:creationId xmlns:a16="http://schemas.microsoft.com/office/drawing/2014/main" id="{CEFDA334-33EA-36E7-429A-1CA6B667F1E6}"/>
+              </a:ext>
+            </a:extLst>
+          </p:cNvPr>
+          <p:cNvSpPr txBox="1"/>
+          <p:nvPr/>
+        </p:nvSpPr>
+        <p:spPr>
+          <a:xfrm>
+            <a:off x="6199361" y="5988734"/>
+            <a:ext cx="6097508" cy="646331"/>
+          </a:xfrm>
+          <a:prstGeom prst="rect">
+            <a:avLst/>
+          </a:prstGeom>
+          <a:noFill/>
+        </p:spPr>
+        <p:txBody>
+          <a:bodyPr wrap="square">
+            <a:spAutoFit/>
+          </a:bodyPr>
+          <a:lstStyle/>
+          <a:p>
+            <a:r>
+              <a:rPr lang="en-AU" b="0" i="0" dirty="0">
+                <a:solidFill>
+                  <a:srgbClr val="222222"/>
+                </a:solidFill>
+                <a:effectLst/>
+                <a:latin typeface="Arial" panose="020B0604020202020204" pitchFamily="34" charset="0"/>
+              </a:rPr>
+              <a:t>Araújo et al. (2019). Standards for distribution models in biodiversity assessments. </a:t>
+            </a:r>
+            <a:r>
+              <a:rPr lang="en-AU" b="0" i="1" dirty="0">
+                <a:solidFill>
+                  <a:srgbClr val="222222"/>
+                </a:solidFill>
+                <a:effectLst/>
+                <a:latin typeface="Arial" panose="020B0604020202020204" pitchFamily="34" charset="0"/>
+              </a:rPr>
+              <a:t>Science advances</a:t>
+            </a:r>
+            <a:r>
+              <a:rPr lang="en-AU" b="0" i="0" dirty="0">
+                <a:solidFill>
+                  <a:srgbClr val="222222"/>
+                </a:solidFill>
+                <a:effectLst/>
+                <a:latin typeface="Arial" panose="020B0604020202020204" pitchFamily="34" charset="0"/>
+              </a:rPr>
+              <a:t>.</a:t>
+            </a:r>
+          </a:p>
+        </p:txBody>
+      </p:sp>
+      <p:sp>
+        <p:nvSpPr>
+          <p:cNvPr id="4" name="Rectangle 3">
+            <a:extLst>
+              <a:ext uri="{FF2B5EF4-FFF2-40B4-BE49-F238E27FC236}">
+                <a16:creationId xmlns:a16="http://schemas.microsoft.com/office/drawing/2014/main" id="{BB8FC761-D47F-DA9D-C5F3-CBA82A20643A}"/>
+              </a:ext>
+            </a:extLst>
+          </p:cNvPr>
+          <p:cNvSpPr/>
+          <p:nvPr/>
+        </p:nvSpPr>
+        <p:spPr>
+          <a:xfrm>
+            <a:off x="1122629" y="3367888"/>
+            <a:ext cx="1339913" cy="461726"/>
+          </a:xfrm>
+          <a:prstGeom prst="rect">
+            <a:avLst/>
+          </a:prstGeom>
+          <a:noFill/>
+          <a:ln>
+            <a:solidFill>
+              <a:srgbClr val="7030A0"/>
+            </a:solidFill>
+          </a:ln>
+        </p:spPr>
+        <p:style>
+          <a:lnRef idx="2">
+            <a:schemeClr val="accent1">
+              <a:shade val="15000"/>
+            </a:schemeClr>
+          </a:lnRef>
+          <a:fillRef idx="1">
+            <a:schemeClr val="accent1"/>
+          </a:fillRef>
+          <a:effectRef idx="0">
+            <a:schemeClr val="accent1"/>
+          </a:effectRef>
+          <a:fontRef idx="minor">
+            <a:schemeClr val="lt1"/>
+          </a:fontRef>
+        </p:style>
+        <p:txBody>
+          <a:bodyPr rtlCol="0" anchor="ctr"/>
+          <a:lstStyle/>
+          <a:p>
+            <a:pPr algn="ctr"/>
+            <a:endParaRPr lang="en-AU"/>
+          </a:p>
+        </p:txBody>
+      </p:sp>
+    </p:spTree>
+    <p:extLst>
+      <p:ext uri="{BB962C8B-B14F-4D97-AF65-F5344CB8AC3E}">
+        <p14:creationId xmlns:p14="http://schemas.microsoft.com/office/powerpoint/2010/main" val="3016005132"/>
       </p:ext>
     </p:extLst>
   </p:cSld>

--- a/ICC_koala_sdm_slides.pptx
+++ b/ICC_koala_sdm_slides.pptx
@@ -16,9 +16,10 @@
     <p:sldId id="261" r:id="rId10"/>
     <p:sldId id="262" r:id="rId11"/>
     <p:sldId id="269" r:id="rId12"/>
-    <p:sldId id="267" r:id="rId13"/>
-    <p:sldId id="257" r:id="rId14"/>
-    <p:sldId id="258" r:id="rId15"/>
+    <p:sldId id="270" r:id="rId13"/>
+    <p:sldId id="267" r:id="rId14"/>
+    <p:sldId id="257" r:id="rId15"/>
+    <p:sldId id="258" r:id="rId16"/>
   </p:sldIdLst>
   <p:sldSz cx="12192000" cy="6858000"/>
   <p:notesSz cx="6858000" cy="9144000"/>
@@ -128,6 +129,7 @@
 <file path=ppt/revisionInfo.xml><?xml version="1.0" encoding="utf-8"?>
 <p1510:revInfo xmlns:a="http://schemas.openxmlformats.org/drawingml/2006/main" xmlns:r="http://schemas.openxmlformats.org/officeDocument/2006/relationships" xmlns:p1510="http://schemas.microsoft.com/office/powerpoint/2015/10/main">
   <p1510:revLst>
+    <p1510:client id="{0F2B6B5F-794E-4944-82ED-9E38D30EF2F5}" v="3" dt="2025-04-03T05:20:39.973"/>
     <p1510:client id="{D31FD800-5519-4CBD-B48F-1780726ABED0}" v="11" dt="2025-04-03T01:27:58.168"/>
   </p1510:revLst>
 </p1510:revInfo>
@@ -135,6 +137,45 @@
 
 <file path=ppt/changesInfos/changesInfo1.xml><?xml version="1.0" encoding="utf-8"?>
 <pc:chgInfo xmlns:a="http://schemas.openxmlformats.org/drawingml/2006/main" xmlns:r="http://schemas.openxmlformats.org/officeDocument/2006/relationships" xmlns:ac="http://schemas.microsoft.com/office/drawing/2013/main/command" xmlns:pc="http://schemas.microsoft.com/office/powerpoint/2013/main/command">
+  <pc:docChgLst>
+    <pc:chgData name="Scott Forrest" userId="95fbf796-a2c8-4799-ab79-0e94d63402e7" providerId="ADAL" clId="{0F2B6B5F-794E-4944-82ED-9E38D30EF2F5}"/>
+    <pc:docChg chg="addSld modSld">
+      <pc:chgData name="Scott Forrest" userId="95fbf796-a2c8-4799-ab79-0e94d63402e7" providerId="ADAL" clId="{0F2B6B5F-794E-4944-82ED-9E38D30EF2F5}" dt="2025-04-03T05:20:39.973" v="2"/>
+      <pc:docMkLst>
+        <pc:docMk/>
+      </pc:docMkLst>
+      <pc:sldChg chg="addSp modSp">
+        <pc:chgData name="Scott Forrest" userId="95fbf796-a2c8-4799-ab79-0e94d63402e7" providerId="ADAL" clId="{0F2B6B5F-794E-4944-82ED-9E38D30EF2F5}" dt="2025-04-03T05:20:33.009" v="0"/>
+        <pc:sldMkLst>
+          <pc:docMk/>
+          <pc:sldMk cId="1685990104" sldId="269"/>
+        </pc:sldMkLst>
+        <pc:picChg chg="add mod">
+          <ac:chgData name="Scott Forrest" userId="95fbf796-a2c8-4799-ab79-0e94d63402e7" providerId="ADAL" clId="{0F2B6B5F-794E-4944-82ED-9E38D30EF2F5}" dt="2025-04-03T05:20:33.009" v="0"/>
+          <ac:picMkLst>
+            <pc:docMk/>
+            <pc:sldMk cId="1685990104" sldId="269"/>
+            <ac:picMk id="4" creationId="{B6195514-A1A0-A2C0-45EA-304C9EE583A6}"/>
+          </ac:picMkLst>
+        </pc:picChg>
+      </pc:sldChg>
+      <pc:sldChg chg="addSp modSp new">
+        <pc:chgData name="Scott Forrest" userId="95fbf796-a2c8-4799-ab79-0e94d63402e7" providerId="ADAL" clId="{0F2B6B5F-794E-4944-82ED-9E38D30EF2F5}" dt="2025-04-03T05:20:39.973" v="2"/>
+        <pc:sldMkLst>
+          <pc:docMk/>
+          <pc:sldMk cId="1564928012" sldId="270"/>
+        </pc:sldMkLst>
+        <pc:picChg chg="add mod">
+          <ac:chgData name="Scott Forrest" userId="95fbf796-a2c8-4799-ab79-0e94d63402e7" providerId="ADAL" clId="{0F2B6B5F-794E-4944-82ED-9E38D30EF2F5}" dt="2025-04-03T05:20:39.973" v="2"/>
+          <ac:picMkLst>
+            <pc:docMk/>
+            <pc:sldMk cId="1564928012" sldId="270"/>
+            <ac:picMk id="4" creationId="{F5C8BEF9-0B31-8D59-5057-32E7DF814BCF}"/>
+          </ac:picMkLst>
+        </pc:picChg>
+      </pc:sldChg>
+    </pc:docChg>
+  </pc:docChgLst>
   <pc:docChgLst>
     <pc:chgData name="Charlotte Ruby Patterson" userId="5e4f2a4d-4d7e-4526-8ff8-c9f44bf0b6b7" providerId="ADAL" clId="{D31FD800-5519-4CBD-B48F-1780726ABED0}"/>
     <pc:docChg chg="undo custSel addSld delSld modSld sldOrd">
@@ -4112,6 +4153,116 @@
           <p:cNvPr id="2" name="Title 1">
             <a:extLst>
               <a:ext uri="{FF2B5EF4-FFF2-40B4-BE49-F238E27FC236}">
+                <a16:creationId xmlns:a16="http://schemas.microsoft.com/office/drawing/2014/main" id="{16EF3F8D-F173-E33A-D24E-F3E44371E8AF}"/>
+              </a:ext>
+            </a:extLst>
+          </p:cNvPr>
+          <p:cNvSpPr>
+            <a:spLocks noGrp="1"/>
+          </p:cNvSpPr>
+          <p:nvPr>
+            <p:ph type="title"/>
+          </p:nvPr>
+        </p:nvSpPr>
+        <p:spPr/>
+        <p:txBody>
+          <a:bodyPr/>
+          <a:lstStyle/>
+          <a:p>
+            <a:endParaRPr lang="en-AU"/>
+          </a:p>
+        </p:txBody>
+      </p:sp>
+      <p:sp>
+        <p:nvSpPr>
+          <p:cNvPr id="3" name="Content Placeholder 2">
+            <a:extLst>
+              <a:ext uri="{FF2B5EF4-FFF2-40B4-BE49-F238E27FC236}">
+                <a16:creationId xmlns:a16="http://schemas.microsoft.com/office/drawing/2014/main" id="{EF7DFC0B-EE5D-A57B-5AC7-7A89F2BFDACC}"/>
+              </a:ext>
+            </a:extLst>
+          </p:cNvPr>
+          <p:cNvSpPr>
+            <a:spLocks noGrp="1"/>
+          </p:cNvSpPr>
+          <p:nvPr>
+            <p:ph idx="1"/>
+          </p:nvPr>
+        </p:nvSpPr>
+        <p:spPr/>
+        <p:txBody>
+          <a:bodyPr/>
+          <a:lstStyle/>
+          <a:p>
+            <a:endParaRPr lang="en-AU"/>
+          </a:p>
+        </p:txBody>
+      </p:sp>
+      <p:pic>
+        <p:nvPicPr>
+          <p:cNvPr id="4" name="Picture 3">
+            <a:extLst>
+              <a:ext uri="{FF2B5EF4-FFF2-40B4-BE49-F238E27FC236}">
+                <a16:creationId xmlns:a16="http://schemas.microsoft.com/office/drawing/2014/main" id="{F5C8BEF9-0B31-8D59-5057-32E7DF814BCF}"/>
+              </a:ext>
+            </a:extLst>
+          </p:cNvPr>
+          <p:cNvPicPr>
+            <a:picLocks noChangeAspect="1"/>
+          </p:cNvPicPr>
+          <p:nvPr/>
+        </p:nvPicPr>
+        <p:blipFill>
+          <a:blip r:embed="rId2"/>
+          <a:stretch>
+            <a:fillRect/>
+          </a:stretch>
+        </p:blipFill>
+        <p:spPr>
+          <a:xfrm>
+            <a:off x="0" y="0"/>
+            <a:ext cx="12192000" cy="6858000"/>
+          </a:xfrm>
+          <a:prstGeom prst="rect">
+            <a:avLst/>
+          </a:prstGeom>
+        </p:spPr>
+      </p:pic>
+    </p:spTree>
+    <p:extLst>
+      <p:ext uri="{BB962C8B-B14F-4D97-AF65-F5344CB8AC3E}">
+        <p14:creationId xmlns:p14="http://schemas.microsoft.com/office/powerpoint/2010/main" val="1564928012"/>
+      </p:ext>
+    </p:extLst>
+  </p:cSld>
+  <p:clrMapOvr>
+    <a:masterClrMapping/>
+  </p:clrMapOvr>
+</p:sld>
+</file>
+
+<file path=ppt/slides/slide13.xml><?xml version="1.0" encoding="utf-8"?>
+<p:sld xmlns:a="http://schemas.openxmlformats.org/drawingml/2006/main" xmlns:r="http://schemas.openxmlformats.org/officeDocument/2006/relationships" xmlns:p="http://schemas.openxmlformats.org/presentationml/2006/main">
+  <p:cSld>
+    <p:spTree>
+      <p:nvGrpSpPr>
+        <p:cNvPr id="1" name=""/>
+        <p:cNvGrpSpPr/>
+        <p:nvPr/>
+      </p:nvGrpSpPr>
+      <p:grpSpPr>
+        <a:xfrm>
+          <a:off x="0" y="0"/>
+          <a:ext cx="0" cy="0"/>
+          <a:chOff x="0" y="0"/>
+          <a:chExt cx="0" cy="0"/>
+        </a:xfrm>
+      </p:grpSpPr>
+      <p:sp>
+        <p:nvSpPr>
+          <p:cNvPr id="2" name="Title 1">
+            <a:extLst>
+              <a:ext uri="{FF2B5EF4-FFF2-40B4-BE49-F238E27FC236}">
                 <a16:creationId xmlns:a16="http://schemas.microsoft.com/office/drawing/2014/main" id="{E2BD4AA1-B2AE-398B-9DD9-3F923093C2B9}"/>
               </a:ext>
             </a:extLst>
@@ -4177,7 +4328,7 @@
 </p:sld>
 </file>
 
-<file path=ppt/slides/slide13.xml><?xml version="1.0" encoding="utf-8"?>
+<file path=ppt/slides/slide14.xml><?xml version="1.0" encoding="utf-8"?>
 <p:sld xmlns:a="http://schemas.openxmlformats.org/drawingml/2006/main" xmlns:r="http://schemas.openxmlformats.org/officeDocument/2006/relationships" xmlns:p="http://schemas.openxmlformats.org/presentationml/2006/main">
   <p:cSld>
     <p:spTree>
@@ -4267,7 +4418,7 @@
 </p:sld>
 </file>
 
-<file path=ppt/slides/slide14.xml><?xml version="1.0" encoding="utf-8"?>
+<file path=ppt/slides/slide15.xml><?xml version="1.0" encoding="utf-8"?>
 <p:sld xmlns:a="http://schemas.openxmlformats.org/drawingml/2006/main" xmlns:r="http://schemas.openxmlformats.org/officeDocument/2006/relationships" xmlns:p="http://schemas.openxmlformats.org/presentationml/2006/main">
   <p:cSld>
     <p:spTree>
